--- a/tests/pptx/phl_with_flextable.pptx
+++ b/tests/pptx/phl_with_flextable.pptx
@@ -2224,15 +2224,15 @@
         </p:nvGraphicFramePr>
         <p:xfrm rot="0">
           <a:off x="251460" y="251460"/>
-          <a:ext cx="0" cy="0"/>
+          <a:ext cx="3657600" cy="2743200"/>
         </p:xfrm>
         <a:graphic>
           <a:graphicData uri="http://schemas.openxmlformats.org/drawingml/2006/table">
             <a:tbl>
               <a:tblPr/>
               <a:tblGrid>
-                <a:gridCol w="4605495"/>
-                <a:gridCol w="4035585"/>
+                <a:gridCol w="4509680"/>
+                <a:gridCol w="4131400"/>
               </a:tblGrid>
               <a:tr h="632460">
                 <a:tc>
@@ -2240,7 +2240,7 @@
                     <a:bodyPr/>
                     <a:lstStyle/>
                     <a:p>
-                      <a:pPr algn="r" marL="25400" marR="25400">
+                      <a:pPr algn="l" marL="63500" marR="63500">
                         <a:spcBef>
                           <a:spcPts val="200"/>
                         </a:spcBef>
@@ -2252,27 +2252,40 @@
                       <a:r>
                         <a:rPr sz="3700">
                           <a:solidFill>
-                            <a:srgbClr val="000000">
+                            <a:srgbClr val="111111">
                               <a:alpha val="100000"/>
                             </a:srgbClr>
                           </a:solidFill>
-                          <a:latin typeface="Arial"/>
-                          <a:cs typeface="Arial"/>
+                          <a:latin typeface="Roboto"/>
+                          <a:cs typeface="Roboto"/>
+                          <a:highlight>
+                            <a:srgbClr val="FFFFFF">
+                              <a:alpha val="0"/>
+                            </a:srgbClr>
+                          </a:highlight>
                         </a:rPr>
                         <a:t>cut</a:t>
                       </a:r>
                     </a:p>
                   </a:txBody>
                   <a:tcPr anchor="ctr" marB="0" marT="0" marR="0" marL="0">
-                    <a:lnL algn="ctr" cmpd="sng" cap="flat" w="0">
-                      <a:noFill/>
+                    <a:lnL w="0" cmpd="sng" algn="ctr" cap="flat">
+                      <a:solidFill>
+                        <a:srgbClr val="FFFFFF">
+                          <a:alpha val="0"/>
+                        </a:srgbClr>
+                      </a:solidFill>
                       <a:prstDash val="solid"/>
                     </a:lnL>
-                    <a:lnR algn="ctr" cmpd="sng" cap="flat" w="0">
-                      <a:noFill/>
+                    <a:lnR w="0" cmpd="sng" algn="ctr" cap="flat">
+                      <a:solidFill>
+                        <a:srgbClr val="FFFFFF">
+                          <a:alpha val="0"/>
+                        </a:srgbClr>
+                      </a:solidFill>
                       <a:prstDash val="solid"/>
                     </a:lnR>
-                    <a:lnT algn="ctr" cmpd="sng" cap="flat" w="25400">
+                    <a:lnT w="25400" cmpd="sng" algn="ctr" cap="flat">
                       <a:solidFill>
                         <a:srgbClr val="000000">
                           <a:alpha val="100000"/>
@@ -2280,7 +2293,7 @@
                       </a:solidFill>
                       <a:prstDash val="solid"/>
                     </a:lnT>
-                    <a:lnB algn="ctr" cmpd="sng" cap="flat" w="25400">
+                    <a:lnB w="25400" cmpd="sng" algn="ctr" cap="flat">
                       <a:solidFill>
                         <a:srgbClr val="000000">
                           <a:alpha val="100000"/>
@@ -2295,7 +2308,7 @@
                     <a:bodyPr/>
                     <a:lstStyle/>
                     <a:p>
-                      <a:pPr algn="r" marL="25400" marR="25400">
+                      <a:pPr algn="r" marL="63500" marR="63500">
                         <a:spcBef>
                           <a:spcPts val="200"/>
                         </a:spcBef>
@@ -2307,27 +2320,40 @@
                       <a:r>
                         <a:rPr sz="3700">
                           <a:solidFill>
-                            <a:srgbClr val="000000">
+                            <a:srgbClr val="111111">
                               <a:alpha val="100000"/>
                             </a:srgbClr>
                           </a:solidFill>
-                          <a:latin typeface="Arial"/>
-                          <a:cs typeface="Arial"/>
+                          <a:latin typeface="Roboto"/>
+                          <a:cs typeface="Roboto"/>
+                          <a:highlight>
+                            <a:srgbClr val="FFFFFF">
+                              <a:alpha val="0"/>
+                            </a:srgbClr>
+                          </a:highlight>
                         </a:rPr>
                         <a:t>Price</a:t>
                       </a:r>
                     </a:p>
                   </a:txBody>
                   <a:tcPr anchor="ctr" marB="0" marT="0" marR="0" marL="0">
-                    <a:lnL algn="ctr" cmpd="sng" cap="flat" w="0">
-                      <a:noFill/>
+                    <a:lnL w="0" cmpd="sng" algn="ctr" cap="flat">
+                      <a:solidFill>
+                        <a:srgbClr val="FFFFFF">
+                          <a:alpha val="0"/>
+                        </a:srgbClr>
+                      </a:solidFill>
                       <a:prstDash val="solid"/>
                     </a:lnL>
-                    <a:lnR algn="ctr" cmpd="sng" cap="flat" w="0">
-                      <a:noFill/>
+                    <a:lnR w="0" cmpd="sng" algn="ctr" cap="flat">
+                      <a:solidFill>
+                        <a:srgbClr val="FFFFFF">
+                          <a:alpha val="0"/>
+                        </a:srgbClr>
+                      </a:solidFill>
                       <a:prstDash val="solid"/>
                     </a:lnR>
-                    <a:lnT algn="ctr" cmpd="sng" cap="flat" w="25400">
+                    <a:lnT w="25400" cmpd="sng" algn="ctr" cap="flat">
                       <a:solidFill>
                         <a:srgbClr val="000000">
                           <a:alpha val="100000"/>
@@ -2335,7 +2361,7 @@
                       </a:solidFill>
                       <a:prstDash val="solid"/>
                     </a:lnT>
-                    <a:lnB algn="ctr" cmpd="sng" cap="flat" w="25400">
+                    <a:lnB w="25400" cmpd="sng" algn="ctr" cap="flat">
                       <a:solidFill>
                         <a:srgbClr val="000000">
                           <a:alpha val="100000"/>
@@ -2352,7 +2378,7 @@
                     <a:bodyPr/>
                     <a:lstStyle/>
                     <a:p>
-                      <a:pPr algn="r" marL="25400" marR="25400">
+                      <a:pPr algn="l" marL="63500" marR="63500">
                         <a:spcBef>
                           <a:spcPts val="200"/>
                         </a:spcBef>
@@ -2364,34 +2390,51 @@
                       <a:r>
                         <a:rPr sz="3700">
                           <a:solidFill>
-                            <a:srgbClr val="000000">
+                            <a:srgbClr val="111111">
                               <a:alpha val="100000"/>
                             </a:srgbClr>
                           </a:solidFill>
-                          <a:latin typeface="Arial"/>
-                          <a:cs typeface="Arial"/>
+                          <a:latin typeface="Roboto"/>
+                          <a:cs typeface="Roboto"/>
+                          <a:highlight>
+                            <a:srgbClr val="FFFFFF">
+                              <a:alpha val="0"/>
+                            </a:srgbClr>
+                          </a:highlight>
                         </a:rPr>
                         <a:t>Fair</a:t>
                       </a:r>
                     </a:p>
                   </a:txBody>
                   <a:tcPr anchor="ctr" marB="0" marT="0" marR="0" marL="0">
-                    <a:lnL algn="ctr" cmpd="sng" cap="flat" w="0">
-                      <a:noFill/>
+                    <a:lnL w="0" cmpd="sng" algn="ctr" cap="flat">
+                      <a:solidFill>
+                        <a:srgbClr val="FFFFFF">
+                          <a:alpha val="0"/>
+                        </a:srgbClr>
+                      </a:solidFill>
                       <a:prstDash val="solid"/>
                     </a:lnL>
-                    <a:lnR algn="ctr" cmpd="sng" cap="flat" w="0">
-                      <a:noFill/>
+                    <a:lnR w="0" cmpd="sng" algn="ctr" cap="flat">
+                      <a:solidFill>
+                        <a:srgbClr val="FFFFFF">
+                          <a:alpha val="0"/>
+                        </a:srgbClr>
+                      </a:solidFill>
                       <a:prstDash val="solid"/>
                     </a:lnR>
-                    <a:lnT algn="ctr" cmpd="sng" cap="flat" w="0">
-                      <a:noFill/>
+                    <a:lnT w="0" cmpd="sng" algn="ctr" cap="flat">
+                      <a:solidFill>
+                        <a:srgbClr val="FFFFFF">
+                          <a:alpha val="0"/>
+                        </a:srgbClr>
+                      </a:solidFill>
                       <a:prstDash val="solid"/>
                     </a:lnT>
-                    <a:lnB algn="ctr" cmpd="sng" cap="flat" w="12700">
-                      <a:solidFill>
-                        <a:srgbClr val="000000">
-                          <a:alpha val="100000"/>
+                    <a:lnB w="0" cmpd="sng" algn="ctr" cap="flat">
+                      <a:solidFill>
+                        <a:srgbClr val="FFFFFF">
+                          <a:alpha val="0"/>
                         </a:srgbClr>
                       </a:solidFill>
                       <a:prstDash val="solid"/>
@@ -2403,7 +2446,7 @@
                     <a:bodyPr/>
                     <a:lstStyle/>
                     <a:p>
-                      <a:pPr algn="r" marL="25400" marR="25400">
+                      <a:pPr algn="r" marL="63500" marR="63500">
                         <a:spcBef>
                           <a:spcPts val="200"/>
                         </a:spcBef>
@@ -2415,34 +2458,51 @@
                       <a:r>
                         <a:rPr sz="3700">
                           <a:solidFill>
-                            <a:srgbClr val="000000">
+                            <a:srgbClr val="111111">
                               <a:alpha val="100000"/>
                             </a:srgbClr>
                           </a:solidFill>
-                          <a:latin typeface="Arial"/>
-                          <a:cs typeface="Arial"/>
+                          <a:latin typeface="Roboto"/>
+                          <a:cs typeface="Roboto"/>
+                          <a:highlight>
+                            <a:srgbClr val="FFFFFF">
+                              <a:alpha val="0"/>
+                            </a:srgbClr>
+                          </a:highlight>
                         </a:rPr>
-                        <a:t>3508.000</a:t>
+                        <a:t>8818.000</a:t>
                       </a:r>
                     </a:p>
                   </a:txBody>
                   <a:tcPr anchor="ctr" marB="0" marT="0" marR="0" marL="0">
-                    <a:lnL algn="ctr" cmpd="sng" cap="flat" w="0">
-                      <a:noFill/>
+                    <a:lnL w="0" cmpd="sng" algn="ctr" cap="flat">
+                      <a:solidFill>
+                        <a:srgbClr val="FFFFFF">
+                          <a:alpha val="0"/>
+                        </a:srgbClr>
+                      </a:solidFill>
                       <a:prstDash val="solid"/>
                     </a:lnL>
-                    <a:lnR algn="ctr" cmpd="sng" cap="flat" w="0">
-                      <a:noFill/>
+                    <a:lnR w="0" cmpd="sng" algn="ctr" cap="flat">
+                      <a:solidFill>
+                        <a:srgbClr val="FFFFFF">
+                          <a:alpha val="0"/>
+                        </a:srgbClr>
+                      </a:solidFill>
                       <a:prstDash val="solid"/>
                     </a:lnR>
-                    <a:lnT algn="ctr" cmpd="sng" cap="flat" w="0">
-                      <a:noFill/>
+                    <a:lnT w="0" cmpd="sng" algn="ctr" cap="flat">
+                      <a:solidFill>
+                        <a:srgbClr val="FFFFFF">
+                          <a:alpha val="0"/>
+                        </a:srgbClr>
+                      </a:solidFill>
                       <a:prstDash val="solid"/>
                     </a:lnT>
-                    <a:lnB algn="ctr" cmpd="sng" cap="flat" w="12700">
-                      <a:solidFill>
-                        <a:srgbClr val="000000">
-                          <a:alpha val="100000"/>
+                    <a:lnB w="0" cmpd="sng" algn="ctr" cap="flat">
+                      <a:solidFill>
+                        <a:srgbClr val="FFFFFF">
+                          <a:alpha val="0"/>
                         </a:srgbClr>
                       </a:solidFill>
                       <a:prstDash val="solid"/>
@@ -2456,7 +2516,7 @@
                     <a:bodyPr/>
                     <a:lstStyle/>
                     <a:p>
-                      <a:pPr algn="r" marL="25400" marR="25400">
+                      <a:pPr algn="l" marL="63500" marR="63500">
                         <a:spcBef>
                           <a:spcPts val="200"/>
                         </a:spcBef>
@@ -2468,38 +2528,51 @@
                       <a:r>
                         <a:rPr sz="3700">
                           <a:solidFill>
-                            <a:srgbClr val="000000">
+                            <a:srgbClr val="111111">
                               <a:alpha val="100000"/>
                             </a:srgbClr>
                           </a:solidFill>
-                          <a:latin typeface="Arial"/>
-                          <a:cs typeface="Arial"/>
+                          <a:latin typeface="Roboto"/>
+                          <a:cs typeface="Roboto"/>
+                          <a:highlight>
+                            <a:srgbClr val="FFFFFF">
+                              <a:alpha val="0"/>
+                            </a:srgbClr>
+                          </a:highlight>
                         </a:rPr>
                         <a:t>Good</a:t>
                       </a:r>
                     </a:p>
                   </a:txBody>
                   <a:tcPr anchor="ctr" marB="0" marT="0" marR="0" marL="0">
-                    <a:lnL algn="ctr" cmpd="sng" cap="flat" w="0">
-                      <a:noFill/>
+                    <a:lnL w="0" cmpd="sng" algn="ctr" cap="flat">
+                      <a:solidFill>
+                        <a:srgbClr val="FFFFFF">
+                          <a:alpha val="0"/>
+                        </a:srgbClr>
+                      </a:solidFill>
                       <a:prstDash val="solid"/>
                     </a:lnL>
-                    <a:lnR algn="ctr" cmpd="sng" cap="flat" w="0">
-                      <a:noFill/>
+                    <a:lnR w="0" cmpd="sng" algn="ctr" cap="flat">
+                      <a:solidFill>
+                        <a:srgbClr val="FFFFFF">
+                          <a:alpha val="0"/>
+                        </a:srgbClr>
+                      </a:solidFill>
                       <a:prstDash val="solid"/>
                     </a:lnR>
-                    <a:lnT algn="ctr" cmpd="sng" cap="flat" w="12700">
-                      <a:solidFill>
-                        <a:srgbClr val="000000">
-                          <a:alpha val="100000"/>
+                    <a:lnT w="0" cmpd="sng" algn="ctr" cap="flat">
+                      <a:solidFill>
+                        <a:srgbClr val="FFFFFF">
+                          <a:alpha val="0"/>
                         </a:srgbClr>
                       </a:solidFill>
                       <a:prstDash val="solid"/>
                     </a:lnT>
-                    <a:lnB algn="ctr" cmpd="sng" cap="flat" w="12700">
-                      <a:solidFill>
-                        <a:srgbClr val="000000">
-                          <a:alpha val="100000"/>
+                    <a:lnB w="0" cmpd="sng" algn="ctr" cap="flat">
+                      <a:solidFill>
+                        <a:srgbClr val="FFFFFF">
+                          <a:alpha val="0"/>
                         </a:srgbClr>
                       </a:solidFill>
                       <a:prstDash val="solid"/>
@@ -2511,7 +2584,7 @@
                     <a:bodyPr/>
                     <a:lstStyle/>
                     <a:p>
-                      <a:pPr algn="r" marL="25400" marR="25400">
+                      <a:pPr algn="r" marL="63500" marR="63500">
                         <a:spcBef>
                           <a:spcPts val="200"/>
                         </a:spcBef>
@@ -2523,38 +2596,51 @@
                       <a:r>
                         <a:rPr sz="3700">
                           <a:solidFill>
-                            <a:srgbClr val="000000">
+                            <a:srgbClr val="111111">
                               <a:alpha val="100000"/>
                             </a:srgbClr>
                           </a:solidFill>
-                          <a:latin typeface="Arial"/>
-                          <a:cs typeface="Arial"/>
+                          <a:latin typeface="Roboto"/>
+                          <a:cs typeface="Roboto"/>
+                          <a:highlight>
+                            <a:srgbClr val="FFFFFF">
+                              <a:alpha val="0"/>
+                            </a:srgbClr>
+                          </a:highlight>
                         </a:rPr>
-                        <a:t>6500.000</a:t>
+                        <a:t>3383.125</a:t>
                       </a:r>
                     </a:p>
                   </a:txBody>
                   <a:tcPr anchor="ctr" marB="0" marT="0" marR="0" marL="0">
-                    <a:lnL algn="ctr" cmpd="sng" cap="flat" w="0">
-                      <a:noFill/>
+                    <a:lnL w="0" cmpd="sng" algn="ctr" cap="flat">
+                      <a:solidFill>
+                        <a:srgbClr val="FFFFFF">
+                          <a:alpha val="0"/>
+                        </a:srgbClr>
+                      </a:solidFill>
                       <a:prstDash val="solid"/>
                     </a:lnL>
-                    <a:lnR algn="ctr" cmpd="sng" cap="flat" w="0">
-                      <a:noFill/>
+                    <a:lnR w="0" cmpd="sng" algn="ctr" cap="flat">
+                      <a:solidFill>
+                        <a:srgbClr val="FFFFFF">
+                          <a:alpha val="0"/>
+                        </a:srgbClr>
+                      </a:solidFill>
                       <a:prstDash val="solid"/>
                     </a:lnR>
-                    <a:lnT algn="ctr" cmpd="sng" cap="flat" w="12700">
-                      <a:solidFill>
-                        <a:srgbClr val="000000">
-                          <a:alpha val="100000"/>
+                    <a:lnT w="0" cmpd="sng" algn="ctr" cap="flat">
+                      <a:solidFill>
+                        <a:srgbClr val="FFFFFF">
+                          <a:alpha val="0"/>
                         </a:srgbClr>
                       </a:solidFill>
                       <a:prstDash val="solid"/>
                     </a:lnT>
-                    <a:lnB algn="ctr" cmpd="sng" cap="flat" w="12700">
-                      <a:solidFill>
-                        <a:srgbClr val="000000">
-                          <a:alpha val="100000"/>
+                    <a:lnB w="0" cmpd="sng" algn="ctr" cap="flat">
+                      <a:solidFill>
+                        <a:srgbClr val="FFFFFF">
+                          <a:alpha val="0"/>
                         </a:srgbClr>
                       </a:solidFill>
                       <a:prstDash val="solid"/>
@@ -2568,7 +2654,7 @@
                     <a:bodyPr/>
                     <a:lstStyle/>
                     <a:p>
-                      <a:pPr algn="r" marL="25400" marR="25400">
+                      <a:pPr algn="l" marL="63500" marR="63500">
                         <a:spcBef>
                           <a:spcPts val="200"/>
                         </a:spcBef>
@@ -2580,38 +2666,51 @@
                       <a:r>
                         <a:rPr sz="3700">
                           <a:solidFill>
-                            <a:srgbClr val="000000">
+                            <a:srgbClr val="111111">
                               <a:alpha val="100000"/>
                             </a:srgbClr>
                           </a:solidFill>
-                          <a:latin typeface="Arial"/>
-                          <a:cs typeface="Arial"/>
+                          <a:latin typeface="Roboto"/>
+                          <a:cs typeface="Roboto"/>
+                          <a:highlight>
+                            <a:srgbClr val="FFFFFF">
+                              <a:alpha val="0"/>
+                            </a:srgbClr>
+                          </a:highlight>
                         </a:rPr>
                         <a:t>Very Good</a:t>
                       </a:r>
                     </a:p>
                   </a:txBody>
                   <a:tcPr anchor="ctr" marB="0" marT="0" marR="0" marL="0">
-                    <a:lnL algn="ctr" cmpd="sng" cap="flat" w="0">
-                      <a:noFill/>
+                    <a:lnL w="0" cmpd="sng" algn="ctr" cap="flat">
+                      <a:solidFill>
+                        <a:srgbClr val="FFFFFF">
+                          <a:alpha val="0"/>
+                        </a:srgbClr>
+                      </a:solidFill>
                       <a:prstDash val="solid"/>
                     </a:lnL>
-                    <a:lnR algn="ctr" cmpd="sng" cap="flat" w="0">
-                      <a:noFill/>
+                    <a:lnR w="0" cmpd="sng" algn="ctr" cap="flat">
+                      <a:solidFill>
+                        <a:srgbClr val="FFFFFF">
+                          <a:alpha val="0"/>
+                        </a:srgbClr>
+                      </a:solidFill>
                       <a:prstDash val="solid"/>
                     </a:lnR>
-                    <a:lnT algn="ctr" cmpd="sng" cap="flat" w="12700">
-                      <a:solidFill>
-                        <a:srgbClr val="000000">
-                          <a:alpha val="100000"/>
+                    <a:lnT w="0" cmpd="sng" algn="ctr" cap="flat">
+                      <a:solidFill>
+                        <a:srgbClr val="FFFFFF">
+                          <a:alpha val="0"/>
                         </a:srgbClr>
                       </a:solidFill>
                       <a:prstDash val="solid"/>
                     </a:lnT>
-                    <a:lnB algn="ctr" cmpd="sng" cap="flat" w="12700">
-                      <a:solidFill>
-                        <a:srgbClr val="000000">
-                          <a:alpha val="100000"/>
+                    <a:lnB w="0" cmpd="sng" algn="ctr" cap="flat">
+                      <a:solidFill>
+                        <a:srgbClr val="FFFFFF">
+                          <a:alpha val="0"/>
                         </a:srgbClr>
                       </a:solidFill>
                       <a:prstDash val="solid"/>
@@ -2623,7 +2722,7 @@
                     <a:bodyPr/>
                     <a:lstStyle/>
                     <a:p>
-                      <a:pPr algn="r" marL="25400" marR="25400">
+                      <a:pPr algn="r" marL="63500" marR="63500">
                         <a:spcBef>
                           <a:spcPts val="200"/>
                         </a:spcBef>
@@ -2635,38 +2734,51 @@
                       <a:r>
                         <a:rPr sz="3700">
                           <a:solidFill>
-                            <a:srgbClr val="000000">
+                            <a:srgbClr val="111111">
                               <a:alpha val="100000"/>
                             </a:srgbClr>
                           </a:solidFill>
-                          <a:latin typeface="Arial"/>
-                          <a:cs typeface="Arial"/>
+                          <a:latin typeface="Roboto"/>
+                          <a:cs typeface="Roboto"/>
+                          <a:highlight>
+                            <a:srgbClr val="FFFFFF">
+                              <a:alpha val="0"/>
+                            </a:srgbClr>
+                          </a:highlight>
                         </a:rPr>
-                        <a:t>4130.000</a:t>
+                        <a:t>4959.308</a:t>
                       </a:r>
                     </a:p>
                   </a:txBody>
                   <a:tcPr anchor="ctr" marB="0" marT="0" marR="0" marL="0">
-                    <a:lnL algn="ctr" cmpd="sng" cap="flat" w="0">
-                      <a:noFill/>
+                    <a:lnL w="0" cmpd="sng" algn="ctr" cap="flat">
+                      <a:solidFill>
+                        <a:srgbClr val="FFFFFF">
+                          <a:alpha val="0"/>
+                        </a:srgbClr>
+                      </a:solidFill>
                       <a:prstDash val="solid"/>
                     </a:lnL>
-                    <a:lnR algn="ctr" cmpd="sng" cap="flat" w="0">
-                      <a:noFill/>
+                    <a:lnR w="0" cmpd="sng" algn="ctr" cap="flat">
+                      <a:solidFill>
+                        <a:srgbClr val="FFFFFF">
+                          <a:alpha val="0"/>
+                        </a:srgbClr>
+                      </a:solidFill>
                       <a:prstDash val="solid"/>
                     </a:lnR>
-                    <a:lnT algn="ctr" cmpd="sng" cap="flat" w="12700">
-                      <a:solidFill>
-                        <a:srgbClr val="000000">
-                          <a:alpha val="100000"/>
+                    <a:lnT w="0" cmpd="sng" algn="ctr" cap="flat">
+                      <a:solidFill>
+                        <a:srgbClr val="FFFFFF">
+                          <a:alpha val="0"/>
                         </a:srgbClr>
                       </a:solidFill>
                       <a:prstDash val="solid"/>
                     </a:lnT>
-                    <a:lnB algn="ctr" cmpd="sng" cap="flat" w="12700">
-                      <a:solidFill>
-                        <a:srgbClr val="000000">
-                          <a:alpha val="100000"/>
+                    <a:lnB w="0" cmpd="sng" algn="ctr" cap="flat">
+                      <a:solidFill>
+                        <a:srgbClr val="FFFFFF">
+                          <a:alpha val="0"/>
                         </a:srgbClr>
                       </a:solidFill>
                       <a:prstDash val="solid"/>
@@ -2680,7 +2792,7 @@
                     <a:bodyPr/>
                     <a:lstStyle/>
                     <a:p>
-                      <a:pPr algn="r" marL="25400" marR="25400">
+                      <a:pPr algn="l" marL="63500" marR="63500">
                         <a:spcBef>
                           <a:spcPts val="200"/>
                         </a:spcBef>
@@ -2692,38 +2804,51 @@
                       <a:r>
                         <a:rPr sz="3700">
                           <a:solidFill>
-                            <a:srgbClr val="000000">
+                            <a:srgbClr val="111111">
                               <a:alpha val="100000"/>
                             </a:srgbClr>
                           </a:solidFill>
-                          <a:latin typeface="Arial"/>
-                          <a:cs typeface="Arial"/>
+                          <a:latin typeface="Roboto"/>
+                          <a:cs typeface="Roboto"/>
+                          <a:highlight>
+                            <a:srgbClr val="FFFFFF">
+                              <a:alpha val="0"/>
+                            </a:srgbClr>
+                          </a:highlight>
                         </a:rPr>
                         <a:t>Premium</a:t>
                       </a:r>
                     </a:p>
                   </a:txBody>
                   <a:tcPr anchor="ctr" marB="0" marT="0" marR="0" marL="0">
-                    <a:lnL algn="ctr" cmpd="sng" cap="flat" w="0">
-                      <a:noFill/>
+                    <a:lnL w="0" cmpd="sng" algn="ctr" cap="flat">
+                      <a:solidFill>
+                        <a:srgbClr val="FFFFFF">
+                          <a:alpha val="0"/>
+                        </a:srgbClr>
+                      </a:solidFill>
                       <a:prstDash val="solid"/>
                     </a:lnL>
-                    <a:lnR algn="ctr" cmpd="sng" cap="flat" w="0">
-                      <a:noFill/>
+                    <a:lnR w="0" cmpd="sng" algn="ctr" cap="flat">
+                      <a:solidFill>
+                        <a:srgbClr val="FFFFFF">
+                          <a:alpha val="0"/>
+                        </a:srgbClr>
+                      </a:solidFill>
                       <a:prstDash val="solid"/>
                     </a:lnR>
-                    <a:lnT algn="ctr" cmpd="sng" cap="flat" w="12700">
-                      <a:solidFill>
-                        <a:srgbClr val="000000">
-                          <a:alpha val="100000"/>
+                    <a:lnT w="0" cmpd="sng" algn="ctr" cap="flat">
+                      <a:solidFill>
+                        <a:srgbClr val="FFFFFF">
+                          <a:alpha val="0"/>
                         </a:srgbClr>
                       </a:solidFill>
                       <a:prstDash val="solid"/>
                     </a:lnT>
-                    <a:lnB algn="ctr" cmpd="sng" cap="flat" w="12700">
-                      <a:solidFill>
-                        <a:srgbClr val="000000">
-                          <a:alpha val="100000"/>
+                    <a:lnB w="0" cmpd="sng" algn="ctr" cap="flat">
+                      <a:solidFill>
+                        <a:srgbClr val="FFFFFF">
+                          <a:alpha val="0"/>
                         </a:srgbClr>
                       </a:solidFill>
                       <a:prstDash val="solid"/>
@@ -2735,7 +2860,7 @@
                     <a:bodyPr/>
                     <a:lstStyle/>
                     <a:p>
-                      <a:pPr algn="r" marL="25400" marR="25400">
+                      <a:pPr algn="r" marL="63500" marR="63500">
                         <a:spcBef>
                           <a:spcPts val="200"/>
                         </a:spcBef>
@@ -2747,38 +2872,51 @@
                       <a:r>
                         <a:rPr sz="3700">
                           <a:solidFill>
-                            <a:srgbClr val="000000">
+                            <a:srgbClr val="111111">
                               <a:alpha val="100000"/>
                             </a:srgbClr>
                           </a:solidFill>
-                          <a:latin typeface="Arial"/>
-                          <a:cs typeface="Arial"/>
+                          <a:latin typeface="Roboto"/>
+                          <a:cs typeface="Roboto"/>
+                          <a:highlight>
+                            <a:srgbClr val="FFFFFF">
+                              <a:alpha val="0"/>
+                            </a:srgbClr>
+                          </a:highlight>
                         </a:rPr>
-                        <a:t>5039.800</a:t>
+                        <a:t>6273.773</a:t>
                       </a:r>
                     </a:p>
                   </a:txBody>
                   <a:tcPr anchor="ctr" marB="0" marT="0" marR="0" marL="0">
-                    <a:lnL algn="ctr" cmpd="sng" cap="flat" w="0">
-                      <a:noFill/>
+                    <a:lnL w="0" cmpd="sng" algn="ctr" cap="flat">
+                      <a:solidFill>
+                        <a:srgbClr val="FFFFFF">
+                          <a:alpha val="0"/>
+                        </a:srgbClr>
+                      </a:solidFill>
                       <a:prstDash val="solid"/>
                     </a:lnL>
-                    <a:lnR algn="ctr" cmpd="sng" cap="flat" w="0">
-                      <a:noFill/>
+                    <a:lnR w="0" cmpd="sng" algn="ctr" cap="flat">
+                      <a:solidFill>
+                        <a:srgbClr val="FFFFFF">
+                          <a:alpha val="0"/>
+                        </a:srgbClr>
+                      </a:solidFill>
                       <a:prstDash val="solid"/>
                     </a:lnR>
-                    <a:lnT algn="ctr" cmpd="sng" cap="flat" w="12700">
-                      <a:solidFill>
-                        <a:srgbClr val="000000">
-                          <a:alpha val="100000"/>
+                    <a:lnT w="0" cmpd="sng" algn="ctr" cap="flat">
+                      <a:solidFill>
+                        <a:srgbClr val="FFFFFF">
+                          <a:alpha val="0"/>
                         </a:srgbClr>
                       </a:solidFill>
                       <a:prstDash val="solid"/>
                     </a:lnT>
-                    <a:lnB algn="ctr" cmpd="sng" cap="flat" w="12700">
-                      <a:solidFill>
-                        <a:srgbClr val="000000">
-                          <a:alpha val="100000"/>
+                    <a:lnB w="0" cmpd="sng" algn="ctr" cap="flat">
+                      <a:solidFill>
+                        <a:srgbClr val="FFFFFF">
+                          <a:alpha val="0"/>
                         </a:srgbClr>
                       </a:solidFill>
                       <a:prstDash val="solid"/>
@@ -2792,7 +2930,7 @@
                     <a:bodyPr/>
                     <a:lstStyle/>
                     <a:p>
-                      <a:pPr algn="r" marL="25400" marR="25400">
+                      <a:pPr algn="l" marL="63500" marR="63500">
                         <a:spcBef>
                           <a:spcPts val="200"/>
                         </a:spcBef>
@@ -2804,31 +2942,48 @@
                       <a:r>
                         <a:rPr sz="3700">
                           <a:solidFill>
-                            <a:srgbClr val="000000">
+                            <a:srgbClr val="111111">
                               <a:alpha val="100000"/>
                             </a:srgbClr>
                           </a:solidFill>
-                          <a:latin typeface="Arial"/>
-                          <a:cs typeface="Arial"/>
+                          <a:latin typeface="Roboto"/>
+                          <a:cs typeface="Roboto"/>
+                          <a:highlight>
+                            <a:srgbClr val="FFFFFF">
+                              <a:alpha val="0"/>
+                            </a:srgbClr>
+                          </a:highlight>
                         </a:rPr>
                         <a:t>Ideal</a:t>
                       </a:r>
                     </a:p>
                   </a:txBody>
                   <a:tcPr anchor="ctr" marB="0" marT="0" marR="0" marL="0">
-                    <a:lnL algn="ctr" cmpd="sng" cap="flat" w="0">
-                      <a:noFill/>
+                    <a:lnL w="0" cmpd="sng" algn="ctr" cap="flat">
+                      <a:solidFill>
+                        <a:srgbClr val="FFFFFF">
+                          <a:alpha val="0"/>
+                        </a:srgbClr>
+                      </a:solidFill>
                       <a:prstDash val="solid"/>
                     </a:lnL>
-                    <a:lnR algn="ctr" cmpd="sng" cap="flat" w="0">
-                      <a:noFill/>
+                    <a:lnR w="0" cmpd="sng" algn="ctr" cap="flat">
+                      <a:solidFill>
+                        <a:srgbClr val="FFFFFF">
+                          <a:alpha val="0"/>
+                        </a:srgbClr>
+                      </a:solidFill>
                       <a:prstDash val="solid"/>
                     </a:lnR>
-                    <a:lnT algn="ctr" cmpd="sng" cap="flat" w="0">
-                      <a:noFill/>
+                    <a:lnT w="0" cmpd="sng" algn="ctr" cap="flat">
+                      <a:solidFill>
+                        <a:srgbClr val="FFFFFF">
+                          <a:alpha val="0"/>
+                        </a:srgbClr>
+                      </a:solidFill>
                       <a:prstDash val="solid"/>
                     </a:lnT>
-                    <a:lnB algn="ctr" cmpd="sng" cap="flat" w="25400">
+                    <a:lnB w="25400" cmpd="sng" algn="ctr" cap="flat">
                       <a:solidFill>
                         <a:srgbClr val="000000">
                           <a:alpha val="100000"/>
@@ -2843,7 +2998,7 @@
                     <a:bodyPr/>
                     <a:lstStyle/>
                     <a:p>
-                      <a:pPr algn="r" marL="25400" marR="25400">
+                      <a:pPr algn="r" marL="63500" marR="63500">
                         <a:spcBef>
                           <a:spcPts val="200"/>
                         </a:spcBef>
@@ -2855,31 +3010,48 @@
                       <a:r>
                         <a:rPr sz="3700">
                           <a:solidFill>
-                            <a:srgbClr val="000000">
+                            <a:srgbClr val="111111">
                               <a:alpha val="100000"/>
                             </a:srgbClr>
                           </a:solidFill>
-                          <a:latin typeface="Arial"/>
-                          <a:cs typeface="Arial"/>
+                          <a:latin typeface="Roboto"/>
+                          <a:cs typeface="Roboto"/>
+                          <a:highlight>
+                            <a:srgbClr val="FFFFFF">
+                              <a:alpha val="0"/>
+                            </a:srgbClr>
+                          </a:highlight>
                         </a:rPr>
-                        <a:t>3942.846</a:t>
+                        <a:t>2611.000</a:t>
                       </a:r>
                     </a:p>
                   </a:txBody>
                   <a:tcPr anchor="ctr" marB="0" marT="0" marR="0" marL="0">
-                    <a:lnL algn="ctr" cmpd="sng" cap="flat" w="0">
-                      <a:noFill/>
+                    <a:lnL w="0" cmpd="sng" algn="ctr" cap="flat">
+                      <a:solidFill>
+                        <a:srgbClr val="FFFFFF">
+                          <a:alpha val="0"/>
+                        </a:srgbClr>
+                      </a:solidFill>
                       <a:prstDash val="solid"/>
                     </a:lnL>
-                    <a:lnR algn="ctr" cmpd="sng" cap="flat" w="0">
-                      <a:noFill/>
+                    <a:lnR w="0" cmpd="sng" algn="ctr" cap="flat">
+                      <a:solidFill>
+                        <a:srgbClr val="FFFFFF">
+                          <a:alpha val="0"/>
+                        </a:srgbClr>
+                      </a:solidFill>
                       <a:prstDash val="solid"/>
                     </a:lnR>
-                    <a:lnT algn="ctr" cmpd="sng" cap="flat" w="0">
-                      <a:noFill/>
+                    <a:lnT w="0" cmpd="sng" algn="ctr" cap="flat">
+                      <a:solidFill>
+                        <a:srgbClr val="FFFFFF">
+                          <a:alpha val="0"/>
+                        </a:srgbClr>
+                      </a:solidFill>
                       <a:prstDash val="solid"/>
                     </a:lnT>
-                    <a:lnB algn="ctr" cmpd="sng" cap="flat" w="25400">
+                    <a:lnB w="25400" cmpd="sng" algn="ctr" cap="flat">
                       <a:solidFill>
                         <a:srgbClr val="000000">
                           <a:alpha val="100000"/>
@@ -2904,15 +3076,15 @@
         </p:nvGraphicFramePr>
         <p:xfrm rot="0">
           <a:off x="251460" y="4091940"/>
-          <a:ext cx="0" cy="0"/>
+          <a:ext cx="3657600" cy="2743200"/>
         </p:xfrm>
         <a:graphic>
           <a:graphicData uri="http://schemas.openxmlformats.org/drawingml/2006/table">
             <a:tbl>
               <a:tblPr/>
               <a:tblGrid>
-                <a:gridCol w="2288208"/>
-                <a:gridCol w="2009472"/>
+                <a:gridCol w="2239206"/>
+                <a:gridCol w="2058474"/>
               </a:tblGrid>
               <a:tr h="419100">
                 <a:tc>
@@ -2920,7 +3092,7 @@
                     <a:bodyPr/>
                     <a:lstStyle/>
                     <a:p>
-                      <a:pPr algn="r" marL="25400" marR="25400">
+                      <a:pPr algn="l" marL="63500" marR="63500">
                         <a:spcBef>
                           <a:spcPts val="200"/>
                         </a:spcBef>
@@ -2932,27 +3104,40 @@
                       <a:r>
                         <a:rPr sz="2400">
                           <a:solidFill>
-                            <a:srgbClr val="000000">
+                            <a:srgbClr val="111111">
                               <a:alpha val="100000"/>
                             </a:srgbClr>
                           </a:solidFill>
-                          <a:latin typeface="Arial"/>
-                          <a:cs typeface="Arial"/>
+                          <a:latin typeface="Roboto"/>
+                          <a:cs typeface="Roboto"/>
+                          <a:highlight>
+                            <a:srgbClr val="FFFFFF">
+                              <a:alpha val="0"/>
+                            </a:srgbClr>
+                          </a:highlight>
                         </a:rPr>
                         <a:t>cut</a:t>
                       </a:r>
                     </a:p>
                   </a:txBody>
                   <a:tcPr anchor="ctr" marB="0" marT="0" marR="0" marL="0">
-                    <a:lnL algn="ctr" cmpd="sng" cap="flat" w="0">
-                      <a:noFill/>
+                    <a:lnL w="0" cmpd="sng" algn="ctr" cap="flat">
+                      <a:solidFill>
+                        <a:srgbClr val="FFFFFF">
+                          <a:alpha val="0"/>
+                        </a:srgbClr>
+                      </a:solidFill>
                       <a:prstDash val="solid"/>
                     </a:lnL>
-                    <a:lnR algn="ctr" cmpd="sng" cap="flat" w="0">
-                      <a:noFill/>
+                    <a:lnR w="0" cmpd="sng" algn="ctr" cap="flat">
+                      <a:solidFill>
+                        <a:srgbClr val="FFFFFF">
+                          <a:alpha val="0"/>
+                        </a:srgbClr>
+                      </a:solidFill>
                       <a:prstDash val="solid"/>
                     </a:lnR>
-                    <a:lnT algn="ctr" cmpd="sng" cap="flat" w="25400">
+                    <a:lnT w="25400" cmpd="sng" algn="ctr" cap="flat">
                       <a:solidFill>
                         <a:srgbClr val="000000">
                           <a:alpha val="100000"/>
@@ -2960,7 +3145,7 @@
                       </a:solidFill>
                       <a:prstDash val="solid"/>
                     </a:lnT>
-                    <a:lnB algn="ctr" cmpd="sng" cap="flat" w="25400">
+                    <a:lnB w="25400" cmpd="sng" algn="ctr" cap="flat">
                       <a:solidFill>
                         <a:srgbClr val="000000">
                           <a:alpha val="100000"/>
@@ -2975,7 +3160,7 @@
                     <a:bodyPr/>
                     <a:lstStyle/>
                     <a:p>
-                      <a:pPr algn="r" marL="25400" marR="25400">
+                      <a:pPr algn="r" marL="63500" marR="63500">
                         <a:spcBef>
                           <a:spcPts val="200"/>
                         </a:spcBef>
@@ -2987,27 +3172,40 @@
                       <a:r>
                         <a:rPr sz="2400">
                           <a:solidFill>
-                            <a:srgbClr val="000000">
+                            <a:srgbClr val="111111">
                               <a:alpha val="100000"/>
                             </a:srgbClr>
                           </a:solidFill>
-                          <a:latin typeface="Arial"/>
-                          <a:cs typeface="Arial"/>
+                          <a:latin typeface="Roboto"/>
+                          <a:cs typeface="Roboto"/>
+                          <a:highlight>
+                            <a:srgbClr val="FFFFFF">
+                              <a:alpha val="0"/>
+                            </a:srgbClr>
+                          </a:highlight>
                         </a:rPr>
                         <a:t>Price</a:t>
                       </a:r>
                     </a:p>
                   </a:txBody>
                   <a:tcPr anchor="ctr" marB="0" marT="0" marR="0" marL="0">
-                    <a:lnL algn="ctr" cmpd="sng" cap="flat" w="0">
-                      <a:noFill/>
+                    <a:lnL w="0" cmpd="sng" algn="ctr" cap="flat">
+                      <a:solidFill>
+                        <a:srgbClr val="FFFFFF">
+                          <a:alpha val="0"/>
+                        </a:srgbClr>
+                      </a:solidFill>
                       <a:prstDash val="solid"/>
                     </a:lnL>
-                    <a:lnR algn="ctr" cmpd="sng" cap="flat" w="0">
-                      <a:noFill/>
+                    <a:lnR w="0" cmpd="sng" algn="ctr" cap="flat">
+                      <a:solidFill>
+                        <a:srgbClr val="FFFFFF">
+                          <a:alpha val="0"/>
+                        </a:srgbClr>
+                      </a:solidFill>
                       <a:prstDash val="solid"/>
                     </a:lnR>
-                    <a:lnT algn="ctr" cmpd="sng" cap="flat" w="25400">
+                    <a:lnT w="25400" cmpd="sng" algn="ctr" cap="flat">
                       <a:solidFill>
                         <a:srgbClr val="000000">
                           <a:alpha val="100000"/>
@@ -3015,7 +3213,7 @@
                       </a:solidFill>
                       <a:prstDash val="solid"/>
                     </a:lnT>
-                    <a:lnB algn="ctr" cmpd="sng" cap="flat" w="25400">
+                    <a:lnB w="25400" cmpd="sng" algn="ctr" cap="flat">
                       <a:solidFill>
                         <a:srgbClr val="000000">
                           <a:alpha val="100000"/>
@@ -3032,7 +3230,7 @@
                     <a:bodyPr/>
                     <a:lstStyle/>
                     <a:p>
-                      <a:pPr algn="r" marL="25400" marR="25400">
+                      <a:pPr algn="l" marL="63500" marR="63500">
                         <a:spcBef>
                           <a:spcPts val="200"/>
                         </a:spcBef>
@@ -3044,34 +3242,51 @@
                       <a:r>
                         <a:rPr sz="2400">
                           <a:solidFill>
-                            <a:srgbClr val="000000">
+                            <a:srgbClr val="111111">
                               <a:alpha val="100000"/>
                             </a:srgbClr>
                           </a:solidFill>
-                          <a:latin typeface="Arial"/>
-                          <a:cs typeface="Arial"/>
+                          <a:latin typeface="Roboto"/>
+                          <a:cs typeface="Roboto"/>
+                          <a:highlight>
+                            <a:srgbClr val="FFFFFF">
+                              <a:alpha val="0"/>
+                            </a:srgbClr>
+                          </a:highlight>
                         </a:rPr>
                         <a:t>Fair</a:t>
                       </a:r>
                     </a:p>
                   </a:txBody>
                   <a:tcPr anchor="ctr" marB="0" marT="0" marR="0" marL="0">
-                    <a:lnL algn="ctr" cmpd="sng" cap="flat" w="0">
-                      <a:noFill/>
+                    <a:lnL w="0" cmpd="sng" algn="ctr" cap="flat">
+                      <a:solidFill>
+                        <a:srgbClr val="FFFFFF">
+                          <a:alpha val="0"/>
+                        </a:srgbClr>
+                      </a:solidFill>
                       <a:prstDash val="solid"/>
                     </a:lnL>
-                    <a:lnR algn="ctr" cmpd="sng" cap="flat" w="0">
-                      <a:noFill/>
+                    <a:lnR w="0" cmpd="sng" algn="ctr" cap="flat">
+                      <a:solidFill>
+                        <a:srgbClr val="FFFFFF">
+                          <a:alpha val="0"/>
+                        </a:srgbClr>
+                      </a:solidFill>
                       <a:prstDash val="solid"/>
                     </a:lnR>
-                    <a:lnT algn="ctr" cmpd="sng" cap="flat" w="0">
-                      <a:noFill/>
+                    <a:lnT w="0" cmpd="sng" algn="ctr" cap="flat">
+                      <a:solidFill>
+                        <a:srgbClr val="FFFFFF">
+                          <a:alpha val="0"/>
+                        </a:srgbClr>
+                      </a:solidFill>
                       <a:prstDash val="solid"/>
                     </a:lnT>
-                    <a:lnB algn="ctr" cmpd="sng" cap="flat" w="12700">
-                      <a:solidFill>
-                        <a:srgbClr val="000000">
-                          <a:alpha val="100000"/>
+                    <a:lnB w="0" cmpd="sng" algn="ctr" cap="flat">
+                      <a:solidFill>
+                        <a:srgbClr val="FFFFFF">
+                          <a:alpha val="0"/>
                         </a:srgbClr>
                       </a:solidFill>
                       <a:prstDash val="solid"/>
@@ -3083,7 +3298,7 @@
                     <a:bodyPr/>
                     <a:lstStyle/>
                     <a:p>
-                      <a:pPr algn="r" marL="25400" marR="25400">
+                      <a:pPr algn="r" marL="63500" marR="63500">
                         <a:spcBef>
                           <a:spcPts val="200"/>
                         </a:spcBef>
@@ -3095,34 +3310,51 @@
                       <a:r>
                         <a:rPr sz="2400">
                           <a:solidFill>
-                            <a:srgbClr val="000000">
+                            <a:srgbClr val="111111">
                               <a:alpha val="100000"/>
                             </a:srgbClr>
                           </a:solidFill>
-                          <a:latin typeface="Arial"/>
-                          <a:cs typeface="Arial"/>
+                          <a:latin typeface="Roboto"/>
+                          <a:cs typeface="Roboto"/>
+                          <a:highlight>
+                            <a:srgbClr val="FFFFFF">
+                              <a:alpha val="0"/>
+                            </a:srgbClr>
+                          </a:highlight>
                         </a:rPr>
-                        <a:t>3508.000</a:t>
+                        <a:t>8818.000</a:t>
                       </a:r>
                     </a:p>
                   </a:txBody>
                   <a:tcPr anchor="ctr" marB="0" marT="0" marR="0" marL="0">
-                    <a:lnL algn="ctr" cmpd="sng" cap="flat" w="0">
-                      <a:noFill/>
+                    <a:lnL w="0" cmpd="sng" algn="ctr" cap="flat">
+                      <a:solidFill>
+                        <a:srgbClr val="FFFFFF">
+                          <a:alpha val="0"/>
+                        </a:srgbClr>
+                      </a:solidFill>
                       <a:prstDash val="solid"/>
                     </a:lnL>
-                    <a:lnR algn="ctr" cmpd="sng" cap="flat" w="0">
-                      <a:noFill/>
+                    <a:lnR w="0" cmpd="sng" algn="ctr" cap="flat">
+                      <a:solidFill>
+                        <a:srgbClr val="FFFFFF">
+                          <a:alpha val="0"/>
+                        </a:srgbClr>
+                      </a:solidFill>
                       <a:prstDash val="solid"/>
                     </a:lnR>
-                    <a:lnT algn="ctr" cmpd="sng" cap="flat" w="0">
-                      <a:noFill/>
+                    <a:lnT w="0" cmpd="sng" algn="ctr" cap="flat">
+                      <a:solidFill>
+                        <a:srgbClr val="FFFFFF">
+                          <a:alpha val="0"/>
+                        </a:srgbClr>
+                      </a:solidFill>
                       <a:prstDash val="solid"/>
                     </a:lnT>
-                    <a:lnB algn="ctr" cmpd="sng" cap="flat" w="12700">
-                      <a:solidFill>
-                        <a:srgbClr val="000000">
-                          <a:alpha val="100000"/>
+                    <a:lnB w="0" cmpd="sng" algn="ctr" cap="flat">
+                      <a:solidFill>
+                        <a:srgbClr val="FFFFFF">
+                          <a:alpha val="0"/>
                         </a:srgbClr>
                       </a:solidFill>
                       <a:prstDash val="solid"/>
@@ -3136,7 +3368,7 @@
                     <a:bodyPr/>
                     <a:lstStyle/>
                     <a:p>
-                      <a:pPr algn="r" marL="25400" marR="25400">
+                      <a:pPr algn="l" marL="63500" marR="63500">
                         <a:spcBef>
                           <a:spcPts val="200"/>
                         </a:spcBef>
@@ -3148,38 +3380,51 @@
                       <a:r>
                         <a:rPr sz="2400">
                           <a:solidFill>
-                            <a:srgbClr val="000000">
+                            <a:srgbClr val="111111">
                               <a:alpha val="100000"/>
                             </a:srgbClr>
                           </a:solidFill>
-                          <a:latin typeface="Arial"/>
-                          <a:cs typeface="Arial"/>
+                          <a:latin typeface="Roboto"/>
+                          <a:cs typeface="Roboto"/>
+                          <a:highlight>
+                            <a:srgbClr val="FFFFFF">
+                              <a:alpha val="0"/>
+                            </a:srgbClr>
+                          </a:highlight>
                         </a:rPr>
                         <a:t>Good</a:t>
                       </a:r>
                     </a:p>
                   </a:txBody>
                   <a:tcPr anchor="ctr" marB="0" marT="0" marR="0" marL="0">
-                    <a:lnL algn="ctr" cmpd="sng" cap="flat" w="0">
-                      <a:noFill/>
+                    <a:lnL w="0" cmpd="sng" algn="ctr" cap="flat">
+                      <a:solidFill>
+                        <a:srgbClr val="FFFFFF">
+                          <a:alpha val="0"/>
+                        </a:srgbClr>
+                      </a:solidFill>
                       <a:prstDash val="solid"/>
                     </a:lnL>
-                    <a:lnR algn="ctr" cmpd="sng" cap="flat" w="0">
-                      <a:noFill/>
+                    <a:lnR w="0" cmpd="sng" algn="ctr" cap="flat">
+                      <a:solidFill>
+                        <a:srgbClr val="FFFFFF">
+                          <a:alpha val="0"/>
+                        </a:srgbClr>
+                      </a:solidFill>
                       <a:prstDash val="solid"/>
                     </a:lnR>
-                    <a:lnT algn="ctr" cmpd="sng" cap="flat" w="12700">
-                      <a:solidFill>
-                        <a:srgbClr val="000000">
-                          <a:alpha val="100000"/>
+                    <a:lnT w="0" cmpd="sng" algn="ctr" cap="flat">
+                      <a:solidFill>
+                        <a:srgbClr val="FFFFFF">
+                          <a:alpha val="0"/>
                         </a:srgbClr>
                       </a:solidFill>
                       <a:prstDash val="solid"/>
                     </a:lnT>
-                    <a:lnB algn="ctr" cmpd="sng" cap="flat" w="12700">
-                      <a:solidFill>
-                        <a:srgbClr val="000000">
-                          <a:alpha val="100000"/>
+                    <a:lnB w="0" cmpd="sng" algn="ctr" cap="flat">
+                      <a:solidFill>
+                        <a:srgbClr val="FFFFFF">
+                          <a:alpha val="0"/>
                         </a:srgbClr>
                       </a:solidFill>
                       <a:prstDash val="solid"/>
@@ -3191,7 +3436,7 @@
                     <a:bodyPr/>
                     <a:lstStyle/>
                     <a:p>
-                      <a:pPr algn="r" marL="25400" marR="25400">
+                      <a:pPr algn="r" marL="63500" marR="63500">
                         <a:spcBef>
                           <a:spcPts val="200"/>
                         </a:spcBef>
@@ -3203,38 +3448,51 @@
                       <a:r>
                         <a:rPr sz="2400">
                           <a:solidFill>
-                            <a:srgbClr val="000000">
+                            <a:srgbClr val="111111">
                               <a:alpha val="100000"/>
                             </a:srgbClr>
                           </a:solidFill>
-                          <a:latin typeface="Arial"/>
-                          <a:cs typeface="Arial"/>
+                          <a:latin typeface="Roboto"/>
+                          <a:cs typeface="Roboto"/>
+                          <a:highlight>
+                            <a:srgbClr val="FFFFFF">
+                              <a:alpha val="0"/>
+                            </a:srgbClr>
+                          </a:highlight>
                         </a:rPr>
-                        <a:t>6500.000</a:t>
+                        <a:t>3383.125</a:t>
                       </a:r>
                     </a:p>
                   </a:txBody>
                   <a:tcPr anchor="ctr" marB="0" marT="0" marR="0" marL="0">
-                    <a:lnL algn="ctr" cmpd="sng" cap="flat" w="0">
-                      <a:noFill/>
+                    <a:lnL w="0" cmpd="sng" algn="ctr" cap="flat">
+                      <a:solidFill>
+                        <a:srgbClr val="FFFFFF">
+                          <a:alpha val="0"/>
+                        </a:srgbClr>
+                      </a:solidFill>
                       <a:prstDash val="solid"/>
                     </a:lnL>
-                    <a:lnR algn="ctr" cmpd="sng" cap="flat" w="0">
-                      <a:noFill/>
+                    <a:lnR w="0" cmpd="sng" algn="ctr" cap="flat">
+                      <a:solidFill>
+                        <a:srgbClr val="FFFFFF">
+                          <a:alpha val="0"/>
+                        </a:srgbClr>
+                      </a:solidFill>
                       <a:prstDash val="solid"/>
                     </a:lnR>
-                    <a:lnT algn="ctr" cmpd="sng" cap="flat" w="12700">
-                      <a:solidFill>
-                        <a:srgbClr val="000000">
-                          <a:alpha val="100000"/>
+                    <a:lnT w="0" cmpd="sng" algn="ctr" cap="flat">
+                      <a:solidFill>
+                        <a:srgbClr val="FFFFFF">
+                          <a:alpha val="0"/>
                         </a:srgbClr>
                       </a:solidFill>
                       <a:prstDash val="solid"/>
                     </a:lnT>
-                    <a:lnB algn="ctr" cmpd="sng" cap="flat" w="12700">
-                      <a:solidFill>
-                        <a:srgbClr val="000000">
-                          <a:alpha val="100000"/>
+                    <a:lnB w="0" cmpd="sng" algn="ctr" cap="flat">
+                      <a:solidFill>
+                        <a:srgbClr val="FFFFFF">
+                          <a:alpha val="0"/>
                         </a:srgbClr>
                       </a:solidFill>
                       <a:prstDash val="solid"/>
@@ -3248,7 +3506,7 @@
                     <a:bodyPr/>
                     <a:lstStyle/>
                     <a:p>
-                      <a:pPr algn="r" marL="25400" marR="25400">
+                      <a:pPr algn="l" marL="63500" marR="63500">
                         <a:spcBef>
                           <a:spcPts val="200"/>
                         </a:spcBef>
@@ -3260,38 +3518,51 @@
                       <a:r>
                         <a:rPr sz="2400">
                           <a:solidFill>
-                            <a:srgbClr val="000000">
+                            <a:srgbClr val="111111">
                               <a:alpha val="100000"/>
                             </a:srgbClr>
                           </a:solidFill>
-                          <a:latin typeface="Arial"/>
-                          <a:cs typeface="Arial"/>
+                          <a:latin typeface="Roboto"/>
+                          <a:cs typeface="Roboto"/>
+                          <a:highlight>
+                            <a:srgbClr val="FFFFFF">
+                              <a:alpha val="0"/>
+                            </a:srgbClr>
+                          </a:highlight>
                         </a:rPr>
                         <a:t>Very Good</a:t>
                       </a:r>
                     </a:p>
                   </a:txBody>
                   <a:tcPr anchor="ctr" marB="0" marT="0" marR="0" marL="0">
-                    <a:lnL algn="ctr" cmpd="sng" cap="flat" w="0">
-                      <a:noFill/>
+                    <a:lnL w="0" cmpd="sng" algn="ctr" cap="flat">
+                      <a:solidFill>
+                        <a:srgbClr val="FFFFFF">
+                          <a:alpha val="0"/>
+                        </a:srgbClr>
+                      </a:solidFill>
                       <a:prstDash val="solid"/>
                     </a:lnL>
-                    <a:lnR algn="ctr" cmpd="sng" cap="flat" w="0">
-                      <a:noFill/>
+                    <a:lnR w="0" cmpd="sng" algn="ctr" cap="flat">
+                      <a:solidFill>
+                        <a:srgbClr val="FFFFFF">
+                          <a:alpha val="0"/>
+                        </a:srgbClr>
+                      </a:solidFill>
                       <a:prstDash val="solid"/>
                     </a:lnR>
-                    <a:lnT algn="ctr" cmpd="sng" cap="flat" w="12700">
-                      <a:solidFill>
-                        <a:srgbClr val="000000">
-                          <a:alpha val="100000"/>
+                    <a:lnT w="0" cmpd="sng" algn="ctr" cap="flat">
+                      <a:solidFill>
+                        <a:srgbClr val="FFFFFF">
+                          <a:alpha val="0"/>
                         </a:srgbClr>
                       </a:solidFill>
                       <a:prstDash val="solid"/>
                     </a:lnT>
-                    <a:lnB algn="ctr" cmpd="sng" cap="flat" w="12700">
-                      <a:solidFill>
-                        <a:srgbClr val="000000">
-                          <a:alpha val="100000"/>
+                    <a:lnB w="0" cmpd="sng" algn="ctr" cap="flat">
+                      <a:solidFill>
+                        <a:srgbClr val="FFFFFF">
+                          <a:alpha val="0"/>
                         </a:srgbClr>
                       </a:solidFill>
                       <a:prstDash val="solid"/>
@@ -3303,7 +3574,7 @@
                     <a:bodyPr/>
                     <a:lstStyle/>
                     <a:p>
-                      <a:pPr algn="r" marL="25400" marR="25400">
+                      <a:pPr algn="r" marL="63500" marR="63500">
                         <a:spcBef>
                           <a:spcPts val="200"/>
                         </a:spcBef>
@@ -3315,38 +3586,51 @@
                       <a:r>
                         <a:rPr sz="2400">
                           <a:solidFill>
-                            <a:srgbClr val="000000">
+                            <a:srgbClr val="111111">
                               <a:alpha val="100000"/>
                             </a:srgbClr>
                           </a:solidFill>
-                          <a:latin typeface="Arial"/>
-                          <a:cs typeface="Arial"/>
+                          <a:latin typeface="Roboto"/>
+                          <a:cs typeface="Roboto"/>
+                          <a:highlight>
+                            <a:srgbClr val="FFFFFF">
+                              <a:alpha val="0"/>
+                            </a:srgbClr>
+                          </a:highlight>
                         </a:rPr>
-                        <a:t>4130.000</a:t>
+                        <a:t>4959.308</a:t>
                       </a:r>
                     </a:p>
                   </a:txBody>
                   <a:tcPr anchor="ctr" marB="0" marT="0" marR="0" marL="0">
-                    <a:lnL algn="ctr" cmpd="sng" cap="flat" w="0">
-                      <a:noFill/>
+                    <a:lnL w="0" cmpd="sng" algn="ctr" cap="flat">
+                      <a:solidFill>
+                        <a:srgbClr val="FFFFFF">
+                          <a:alpha val="0"/>
+                        </a:srgbClr>
+                      </a:solidFill>
                       <a:prstDash val="solid"/>
                     </a:lnL>
-                    <a:lnR algn="ctr" cmpd="sng" cap="flat" w="0">
-                      <a:noFill/>
+                    <a:lnR w="0" cmpd="sng" algn="ctr" cap="flat">
+                      <a:solidFill>
+                        <a:srgbClr val="FFFFFF">
+                          <a:alpha val="0"/>
+                        </a:srgbClr>
+                      </a:solidFill>
                       <a:prstDash val="solid"/>
                     </a:lnR>
-                    <a:lnT algn="ctr" cmpd="sng" cap="flat" w="12700">
-                      <a:solidFill>
-                        <a:srgbClr val="000000">
-                          <a:alpha val="100000"/>
+                    <a:lnT w="0" cmpd="sng" algn="ctr" cap="flat">
+                      <a:solidFill>
+                        <a:srgbClr val="FFFFFF">
+                          <a:alpha val="0"/>
                         </a:srgbClr>
                       </a:solidFill>
                       <a:prstDash val="solid"/>
                     </a:lnT>
-                    <a:lnB algn="ctr" cmpd="sng" cap="flat" w="12700">
-                      <a:solidFill>
-                        <a:srgbClr val="000000">
-                          <a:alpha val="100000"/>
+                    <a:lnB w="0" cmpd="sng" algn="ctr" cap="flat">
+                      <a:solidFill>
+                        <a:srgbClr val="FFFFFF">
+                          <a:alpha val="0"/>
                         </a:srgbClr>
                       </a:solidFill>
                       <a:prstDash val="solid"/>
@@ -3360,7 +3644,7 @@
                     <a:bodyPr/>
                     <a:lstStyle/>
                     <a:p>
-                      <a:pPr algn="r" marL="25400" marR="25400">
+                      <a:pPr algn="l" marL="63500" marR="63500">
                         <a:spcBef>
                           <a:spcPts val="200"/>
                         </a:spcBef>
@@ -3372,38 +3656,51 @@
                       <a:r>
                         <a:rPr sz="2400">
                           <a:solidFill>
-                            <a:srgbClr val="000000">
+                            <a:srgbClr val="111111">
                               <a:alpha val="100000"/>
                             </a:srgbClr>
                           </a:solidFill>
-                          <a:latin typeface="Arial"/>
-                          <a:cs typeface="Arial"/>
+                          <a:latin typeface="Roboto"/>
+                          <a:cs typeface="Roboto"/>
+                          <a:highlight>
+                            <a:srgbClr val="FFFFFF">
+                              <a:alpha val="0"/>
+                            </a:srgbClr>
+                          </a:highlight>
                         </a:rPr>
                         <a:t>Premium</a:t>
                       </a:r>
                     </a:p>
                   </a:txBody>
                   <a:tcPr anchor="ctr" marB="0" marT="0" marR="0" marL="0">
-                    <a:lnL algn="ctr" cmpd="sng" cap="flat" w="0">
-                      <a:noFill/>
+                    <a:lnL w="0" cmpd="sng" algn="ctr" cap="flat">
+                      <a:solidFill>
+                        <a:srgbClr val="FFFFFF">
+                          <a:alpha val="0"/>
+                        </a:srgbClr>
+                      </a:solidFill>
                       <a:prstDash val="solid"/>
                     </a:lnL>
-                    <a:lnR algn="ctr" cmpd="sng" cap="flat" w="0">
-                      <a:noFill/>
+                    <a:lnR w="0" cmpd="sng" algn="ctr" cap="flat">
+                      <a:solidFill>
+                        <a:srgbClr val="FFFFFF">
+                          <a:alpha val="0"/>
+                        </a:srgbClr>
+                      </a:solidFill>
                       <a:prstDash val="solid"/>
                     </a:lnR>
-                    <a:lnT algn="ctr" cmpd="sng" cap="flat" w="12700">
-                      <a:solidFill>
-                        <a:srgbClr val="000000">
-                          <a:alpha val="100000"/>
+                    <a:lnT w="0" cmpd="sng" algn="ctr" cap="flat">
+                      <a:solidFill>
+                        <a:srgbClr val="FFFFFF">
+                          <a:alpha val="0"/>
                         </a:srgbClr>
                       </a:solidFill>
                       <a:prstDash val="solid"/>
                     </a:lnT>
-                    <a:lnB algn="ctr" cmpd="sng" cap="flat" w="12700">
-                      <a:solidFill>
-                        <a:srgbClr val="000000">
-                          <a:alpha val="100000"/>
+                    <a:lnB w="0" cmpd="sng" algn="ctr" cap="flat">
+                      <a:solidFill>
+                        <a:srgbClr val="FFFFFF">
+                          <a:alpha val="0"/>
                         </a:srgbClr>
                       </a:solidFill>
                       <a:prstDash val="solid"/>
@@ -3415,7 +3712,7 @@
                     <a:bodyPr/>
                     <a:lstStyle/>
                     <a:p>
-                      <a:pPr algn="r" marL="25400" marR="25400">
+                      <a:pPr algn="r" marL="63500" marR="63500">
                         <a:spcBef>
                           <a:spcPts val="200"/>
                         </a:spcBef>
@@ -3427,38 +3724,51 @@
                       <a:r>
                         <a:rPr sz="2400">
                           <a:solidFill>
-                            <a:srgbClr val="000000">
+                            <a:srgbClr val="111111">
                               <a:alpha val="100000"/>
                             </a:srgbClr>
                           </a:solidFill>
-                          <a:latin typeface="Arial"/>
-                          <a:cs typeface="Arial"/>
+                          <a:latin typeface="Roboto"/>
+                          <a:cs typeface="Roboto"/>
+                          <a:highlight>
+                            <a:srgbClr val="FFFFFF">
+                              <a:alpha val="0"/>
+                            </a:srgbClr>
+                          </a:highlight>
                         </a:rPr>
-                        <a:t>5039.800</a:t>
+                        <a:t>6273.773</a:t>
                       </a:r>
                     </a:p>
                   </a:txBody>
                   <a:tcPr anchor="ctr" marB="0" marT="0" marR="0" marL="0">
-                    <a:lnL algn="ctr" cmpd="sng" cap="flat" w="0">
-                      <a:noFill/>
+                    <a:lnL w="0" cmpd="sng" algn="ctr" cap="flat">
+                      <a:solidFill>
+                        <a:srgbClr val="FFFFFF">
+                          <a:alpha val="0"/>
+                        </a:srgbClr>
+                      </a:solidFill>
                       <a:prstDash val="solid"/>
                     </a:lnL>
-                    <a:lnR algn="ctr" cmpd="sng" cap="flat" w="0">
-                      <a:noFill/>
+                    <a:lnR w="0" cmpd="sng" algn="ctr" cap="flat">
+                      <a:solidFill>
+                        <a:srgbClr val="FFFFFF">
+                          <a:alpha val="0"/>
+                        </a:srgbClr>
+                      </a:solidFill>
                       <a:prstDash val="solid"/>
                     </a:lnR>
-                    <a:lnT algn="ctr" cmpd="sng" cap="flat" w="12700">
-                      <a:solidFill>
-                        <a:srgbClr val="000000">
-                          <a:alpha val="100000"/>
+                    <a:lnT w="0" cmpd="sng" algn="ctr" cap="flat">
+                      <a:solidFill>
+                        <a:srgbClr val="FFFFFF">
+                          <a:alpha val="0"/>
                         </a:srgbClr>
                       </a:solidFill>
                       <a:prstDash val="solid"/>
                     </a:lnT>
-                    <a:lnB algn="ctr" cmpd="sng" cap="flat" w="12700">
-                      <a:solidFill>
-                        <a:srgbClr val="000000">
-                          <a:alpha val="100000"/>
+                    <a:lnB w="0" cmpd="sng" algn="ctr" cap="flat">
+                      <a:solidFill>
+                        <a:srgbClr val="FFFFFF">
+                          <a:alpha val="0"/>
                         </a:srgbClr>
                       </a:solidFill>
                       <a:prstDash val="solid"/>
@@ -3472,7 +3782,7 @@
                     <a:bodyPr/>
                     <a:lstStyle/>
                     <a:p>
-                      <a:pPr algn="r" marL="25400" marR="25400">
+                      <a:pPr algn="l" marL="63500" marR="63500">
                         <a:spcBef>
                           <a:spcPts val="200"/>
                         </a:spcBef>
@@ -3484,31 +3794,48 @@
                       <a:r>
                         <a:rPr sz="2400">
                           <a:solidFill>
-                            <a:srgbClr val="000000">
+                            <a:srgbClr val="111111">
                               <a:alpha val="100000"/>
                             </a:srgbClr>
                           </a:solidFill>
-                          <a:latin typeface="Arial"/>
-                          <a:cs typeface="Arial"/>
+                          <a:latin typeface="Roboto"/>
+                          <a:cs typeface="Roboto"/>
+                          <a:highlight>
+                            <a:srgbClr val="FFFFFF">
+                              <a:alpha val="0"/>
+                            </a:srgbClr>
+                          </a:highlight>
                         </a:rPr>
                         <a:t>Ideal</a:t>
                       </a:r>
                     </a:p>
                   </a:txBody>
                   <a:tcPr anchor="ctr" marB="0" marT="0" marR="0" marL="0">
-                    <a:lnL algn="ctr" cmpd="sng" cap="flat" w="0">
-                      <a:noFill/>
+                    <a:lnL w="0" cmpd="sng" algn="ctr" cap="flat">
+                      <a:solidFill>
+                        <a:srgbClr val="FFFFFF">
+                          <a:alpha val="0"/>
+                        </a:srgbClr>
+                      </a:solidFill>
                       <a:prstDash val="solid"/>
                     </a:lnL>
-                    <a:lnR algn="ctr" cmpd="sng" cap="flat" w="0">
-                      <a:noFill/>
+                    <a:lnR w="0" cmpd="sng" algn="ctr" cap="flat">
+                      <a:solidFill>
+                        <a:srgbClr val="FFFFFF">
+                          <a:alpha val="0"/>
+                        </a:srgbClr>
+                      </a:solidFill>
                       <a:prstDash val="solid"/>
                     </a:lnR>
-                    <a:lnT algn="ctr" cmpd="sng" cap="flat" w="0">
-                      <a:noFill/>
+                    <a:lnT w="0" cmpd="sng" algn="ctr" cap="flat">
+                      <a:solidFill>
+                        <a:srgbClr val="FFFFFF">
+                          <a:alpha val="0"/>
+                        </a:srgbClr>
+                      </a:solidFill>
                       <a:prstDash val="solid"/>
                     </a:lnT>
-                    <a:lnB algn="ctr" cmpd="sng" cap="flat" w="25400">
+                    <a:lnB w="25400" cmpd="sng" algn="ctr" cap="flat">
                       <a:solidFill>
                         <a:srgbClr val="000000">
                           <a:alpha val="100000"/>
@@ -3523,7 +3850,7 @@
                     <a:bodyPr/>
                     <a:lstStyle/>
                     <a:p>
-                      <a:pPr algn="r" marL="25400" marR="25400">
+                      <a:pPr algn="r" marL="63500" marR="63500">
                         <a:spcBef>
                           <a:spcPts val="200"/>
                         </a:spcBef>
@@ -3535,31 +3862,48 @@
                       <a:r>
                         <a:rPr sz="2400">
                           <a:solidFill>
-                            <a:srgbClr val="000000">
+                            <a:srgbClr val="111111">
                               <a:alpha val="100000"/>
                             </a:srgbClr>
                           </a:solidFill>
-                          <a:latin typeface="Arial"/>
-                          <a:cs typeface="Arial"/>
+                          <a:latin typeface="Roboto"/>
+                          <a:cs typeface="Roboto"/>
+                          <a:highlight>
+                            <a:srgbClr val="FFFFFF">
+                              <a:alpha val="0"/>
+                            </a:srgbClr>
+                          </a:highlight>
                         </a:rPr>
-                        <a:t>3942.846</a:t>
+                        <a:t>2611.000</a:t>
                       </a:r>
                     </a:p>
                   </a:txBody>
                   <a:tcPr anchor="ctr" marB="0" marT="0" marR="0" marL="0">
-                    <a:lnL algn="ctr" cmpd="sng" cap="flat" w="0">
-                      <a:noFill/>
+                    <a:lnL w="0" cmpd="sng" algn="ctr" cap="flat">
+                      <a:solidFill>
+                        <a:srgbClr val="FFFFFF">
+                          <a:alpha val="0"/>
+                        </a:srgbClr>
+                      </a:solidFill>
                       <a:prstDash val="solid"/>
                     </a:lnL>
-                    <a:lnR algn="ctr" cmpd="sng" cap="flat" w="0">
-                      <a:noFill/>
+                    <a:lnR w="0" cmpd="sng" algn="ctr" cap="flat">
+                      <a:solidFill>
+                        <a:srgbClr val="FFFFFF">
+                          <a:alpha val="0"/>
+                        </a:srgbClr>
+                      </a:solidFill>
                       <a:prstDash val="solid"/>
                     </a:lnR>
-                    <a:lnT algn="ctr" cmpd="sng" cap="flat" w="0">
-                      <a:noFill/>
+                    <a:lnT w="0" cmpd="sng" algn="ctr" cap="flat">
+                      <a:solidFill>
+                        <a:srgbClr val="FFFFFF">
+                          <a:alpha val="0"/>
+                        </a:srgbClr>
+                      </a:solidFill>
                       <a:prstDash val="solid"/>
                     </a:lnT>
-                    <a:lnB algn="ctr" cmpd="sng" cap="flat" w="25400">
+                    <a:lnB w="25400" cmpd="sng" algn="ctr" cap="flat">
                       <a:solidFill>
                         <a:srgbClr val="000000">
                           <a:alpha val="100000"/>
@@ -3584,15 +3928,15 @@
         </p:nvGraphicFramePr>
         <p:xfrm rot="0">
           <a:off x="4594860" y="4091940"/>
-          <a:ext cx="0" cy="0"/>
+          <a:ext cx="3657600" cy="2743200"/>
         </p:xfrm>
         <a:graphic>
           <a:graphicData uri="http://schemas.openxmlformats.org/drawingml/2006/table">
             <a:tbl>
               <a:tblPr/>
               <a:tblGrid>
-                <a:gridCol w="2288208"/>
-                <a:gridCol w="2009472"/>
+                <a:gridCol w="2239206"/>
+                <a:gridCol w="2058474"/>
               </a:tblGrid>
               <a:tr h="419100">
                 <a:tc>
@@ -3600,7 +3944,7 @@
                     <a:bodyPr/>
                     <a:lstStyle/>
                     <a:p>
-                      <a:pPr algn="r" marL="25400" marR="25400">
+                      <a:pPr algn="l" marL="63500" marR="63500">
                         <a:spcBef>
                           <a:spcPts val="200"/>
                         </a:spcBef>
@@ -3612,27 +3956,40 @@
                       <a:r>
                         <a:rPr sz="2400">
                           <a:solidFill>
-                            <a:srgbClr val="000000">
+                            <a:srgbClr val="111111">
                               <a:alpha val="100000"/>
                             </a:srgbClr>
                           </a:solidFill>
-                          <a:latin typeface="Arial"/>
-                          <a:cs typeface="Arial"/>
+                          <a:latin typeface="Roboto"/>
+                          <a:cs typeface="Roboto"/>
+                          <a:highlight>
+                            <a:srgbClr val="FFFFFF">
+                              <a:alpha val="0"/>
+                            </a:srgbClr>
+                          </a:highlight>
                         </a:rPr>
                         <a:t>cut</a:t>
                       </a:r>
                     </a:p>
                   </a:txBody>
                   <a:tcPr anchor="ctr" marB="0" marT="0" marR="0" marL="0">
-                    <a:lnL algn="ctr" cmpd="sng" cap="flat" w="0">
-                      <a:noFill/>
+                    <a:lnL w="0" cmpd="sng" algn="ctr" cap="flat">
+                      <a:solidFill>
+                        <a:srgbClr val="FFFFFF">
+                          <a:alpha val="0"/>
+                        </a:srgbClr>
+                      </a:solidFill>
                       <a:prstDash val="solid"/>
                     </a:lnL>
-                    <a:lnR algn="ctr" cmpd="sng" cap="flat" w="0">
-                      <a:noFill/>
+                    <a:lnR w="0" cmpd="sng" algn="ctr" cap="flat">
+                      <a:solidFill>
+                        <a:srgbClr val="FFFFFF">
+                          <a:alpha val="0"/>
+                        </a:srgbClr>
+                      </a:solidFill>
                       <a:prstDash val="solid"/>
                     </a:lnR>
-                    <a:lnT algn="ctr" cmpd="sng" cap="flat" w="25400">
+                    <a:lnT w="25400" cmpd="sng" algn="ctr" cap="flat">
                       <a:solidFill>
                         <a:srgbClr val="000000">
                           <a:alpha val="100000"/>
@@ -3640,7 +3997,7 @@
                       </a:solidFill>
                       <a:prstDash val="solid"/>
                     </a:lnT>
-                    <a:lnB algn="ctr" cmpd="sng" cap="flat" w="25400">
+                    <a:lnB w="25400" cmpd="sng" algn="ctr" cap="flat">
                       <a:solidFill>
                         <a:srgbClr val="000000">
                           <a:alpha val="100000"/>
@@ -3655,7 +4012,7 @@
                     <a:bodyPr/>
                     <a:lstStyle/>
                     <a:p>
-                      <a:pPr algn="r" marL="25400" marR="25400">
+                      <a:pPr algn="r" marL="63500" marR="63500">
                         <a:spcBef>
                           <a:spcPts val="200"/>
                         </a:spcBef>
@@ -3667,27 +4024,40 @@
                       <a:r>
                         <a:rPr sz="2400">
                           <a:solidFill>
-                            <a:srgbClr val="000000">
+                            <a:srgbClr val="111111">
                               <a:alpha val="100000"/>
                             </a:srgbClr>
                           </a:solidFill>
-                          <a:latin typeface="Arial"/>
-                          <a:cs typeface="Arial"/>
+                          <a:latin typeface="Roboto"/>
+                          <a:cs typeface="Roboto"/>
+                          <a:highlight>
+                            <a:srgbClr val="FFFFFF">
+                              <a:alpha val="0"/>
+                            </a:srgbClr>
+                          </a:highlight>
                         </a:rPr>
                         <a:t>Price</a:t>
                       </a:r>
                     </a:p>
                   </a:txBody>
                   <a:tcPr anchor="ctr" marB="0" marT="0" marR="0" marL="0">
-                    <a:lnL algn="ctr" cmpd="sng" cap="flat" w="0">
-                      <a:noFill/>
+                    <a:lnL w="0" cmpd="sng" algn="ctr" cap="flat">
+                      <a:solidFill>
+                        <a:srgbClr val="FFFFFF">
+                          <a:alpha val="0"/>
+                        </a:srgbClr>
+                      </a:solidFill>
                       <a:prstDash val="solid"/>
                     </a:lnL>
-                    <a:lnR algn="ctr" cmpd="sng" cap="flat" w="0">
-                      <a:noFill/>
+                    <a:lnR w="0" cmpd="sng" algn="ctr" cap="flat">
+                      <a:solidFill>
+                        <a:srgbClr val="FFFFFF">
+                          <a:alpha val="0"/>
+                        </a:srgbClr>
+                      </a:solidFill>
                       <a:prstDash val="solid"/>
                     </a:lnR>
-                    <a:lnT algn="ctr" cmpd="sng" cap="flat" w="25400">
+                    <a:lnT w="25400" cmpd="sng" algn="ctr" cap="flat">
                       <a:solidFill>
                         <a:srgbClr val="000000">
                           <a:alpha val="100000"/>
@@ -3695,7 +4065,7 @@
                       </a:solidFill>
                       <a:prstDash val="solid"/>
                     </a:lnT>
-                    <a:lnB algn="ctr" cmpd="sng" cap="flat" w="25400">
+                    <a:lnB w="25400" cmpd="sng" algn="ctr" cap="flat">
                       <a:solidFill>
                         <a:srgbClr val="000000">
                           <a:alpha val="100000"/>
@@ -3712,7 +4082,7 @@
                     <a:bodyPr/>
                     <a:lstStyle/>
                     <a:p>
-                      <a:pPr algn="r" marL="25400" marR="25400">
+                      <a:pPr algn="l" marL="63500" marR="63500">
                         <a:spcBef>
                           <a:spcPts val="200"/>
                         </a:spcBef>
@@ -3724,34 +4094,51 @@
                       <a:r>
                         <a:rPr sz="2400">
                           <a:solidFill>
-                            <a:srgbClr val="000000">
+                            <a:srgbClr val="111111">
                               <a:alpha val="100000"/>
                             </a:srgbClr>
                           </a:solidFill>
-                          <a:latin typeface="Arial"/>
-                          <a:cs typeface="Arial"/>
+                          <a:latin typeface="Roboto"/>
+                          <a:cs typeface="Roboto"/>
+                          <a:highlight>
+                            <a:srgbClr val="FFFFFF">
+                              <a:alpha val="0"/>
+                            </a:srgbClr>
+                          </a:highlight>
                         </a:rPr>
                         <a:t>Fair</a:t>
                       </a:r>
                     </a:p>
                   </a:txBody>
                   <a:tcPr anchor="ctr" marB="0" marT="0" marR="0" marL="0">
-                    <a:lnL algn="ctr" cmpd="sng" cap="flat" w="0">
-                      <a:noFill/>
+                    <a:lnL w="0" cmpd="sng" algn="ctr" cap="flat">
+                      <a:solidFill>
+                        <a:srgbClr val="FFFFFF">
+                          <a:alpha val="0"/>
+                        </a:srgbClr>
+                      </a:solidFill>
                       <a:prstDash val="solid"/>
                     </a:lnL>
-                    <a:lnR algn="ctr" cmpd="sng" cap="flat" w="0">
-                      <a:noFill/>
+                    <a:lnR w="0" cmpd="sng" algn="ctr" cap="flat">
+                      <a:solidFill>
+                        <a:srgbClr val="FFFFFF">
+                          <a:alpha val="0"/>
+                        </a:srgbClr>
+                      </a:solidFill>
                       <a:prstDash val="solid"/>
                     </a:lnR>
-                    <a:lnT algn="ctr" cmpd="sng" cap="flat" w="0">
-                      <a:noFill/>
+                    <a:lnT w="0" cmpd="sng" algn="ctr" cap="flat">
+                      <a:solidFill>
+                        <a:srgbClr val="FFFFFF">
+                          <a:alpha val="0"/>
+                        </a:srgbClr>
+                      </a:solidFill>
                       <a:prstDash val="solid"/>
                     </a:lnT>
-                    <a:lnB algn="ctr" cmpd="sng" cap="flat" w="12700">
-                      <a:solidFill>
-                        <a:srgbClr val="000000">
-                          <a:alpha val="100000"/>
+                    <a:lnB w="0" cmpd="sng" algn="ctr" cap="flat">
+                      <a:solidFill>
+                        <a:srgbClr val="FFFFFF">
+                          <a:alpha val="0"/>
                         </a:srgbClr>
                       </a:solidFill>
                       <a:prstDash val="solid"/>
@@ -3763,7 +4150,7 @@
                     <a:bodyPr/>
                     <a:lstStyle/>
                     <a:p>
-                      <a:pPr algn="r" marL="25400" marR="25400">
+                      <a:pPr algn="r" marL="63500" marR="63500">
                         <a:spcBef>
                           <a:spcPts val="200"/>
                         </a:spcBef>
@@ -3775,34 +4162,51 @@
                       <a:r>
                         <a:rPr sz="2400">
                           <a:solidFill>
-                            <a:srgbClr val="000000">
+                            <a:srgbClr val="111111">
                               <a:alpha val="100000"/>
                             </a:srgbClr>
                           </a:solidFill>
-                          <a:latin typeface="Arial"/>
-                          <a:cs typeface="Arial"/>
+                          <a:latin typeface="Roboto"/>
+                          <a:cs typeface="Roboto"/>
+                          <a:highlight>
+                            <a:srgbClr val="FFFFFF">
+                              <a:alpha val="0"/>
+                            </a:srgbClr>
+                          </a:highlight>
                         </a:rPr>
-                        <a:t>3508.000</a:t>
+                        <a:t>8818.000</a:t>
                       </a:r>
                     </a:p>
                   </a:txBody>
                   <a:tcPr anchor="ctr" marB="0" marT="0" marR="0" marL="0">
-                    <a:lnL algn="ctr" cmpd="sng" cap="flat" w="0">
-                      <a:noFill/>
+                    <a:lnL w="0" cmpd="sng" algn="ctr" cap="flat">
+                      <a:solidFill>
+                        <a:srgbClr val="FFFFFF">
+                          <a:alpha val="0"/>
+                        </a:srgbClr>
+                      </a:solidFill>
                       <a:prstDash val="solid"/>
                     </a:lnL>
-                    <a:lnR algn="ctr" cmpd="sng" cap="flat" w="0">
-                      <a:noFill/>
+                    <a:lnR w="0" cmpd="sng" algn="ctr" cap="flat">
+                      <a:solidFill>
+                        <a:srgbClr val="FFFFFF">
+                          <a:alpha val="0"/>
+                        </a:srgbClr>
+                      </a:solidFill>
                       <a:prstDash val="solid"/>
                     </a:lnR>
-                    <a:lnT algn="ctr" cmpd="sng" cap="flat" w="0">
-                      <a:noFill/>
+                    <a:lnT w="0" cmpd="sng" algn="ctr" cap="flat">
+                      <a:solidFill>
+                        <a:srgbClr val="FFFFFF">
+                          <a:alpha val="0"/>
+                        </a:srgbClr>
+                      </a:solidFill>
                       <a:prstDash val="solid"/>
                     </a:lnT>
-                    <a:lnB algn="ctr" cmpd="sng" cap="flat" w="12700">
-                      <a:solidFill>
-                        <a:srgbClr val="000000">
-                          <a:alpha val="100000"/>
+                    <a:lnB w="0" cmpd="sng" algn="ctr" cap="flat">
+                      <a:solidFill>
+                        <a:srgbClr val="FFFFFF">
+                          <a:alpha val="0"/>
                         </a:srgbClr>
                       </a:solidFill>
                       <a:prstDash val="solid"/>
@@ -3816,7 +4220,7 @@
                     <a:bodyPr/>
                     <a:lstStyle/>
                     <a:p>
-                      <a:pPr algn="r" marL="25400" marR="25400">
+                      <a:pPr algn="l" marL="63500" marR="63500">
                         <a:spcBef>
                           <a:spcPts val="200"/>
                         </a:spcBef>
@@ -3828,38 +4232,51 @@
                       <a:r>
                         <a:rPr sz="2400">
                           <a:solidFill>
-                            <a:srgbClr val="000000">
+                            <a:srgbClr val="111111">
                               <a:alpha val="100000"/>
                             </a:srgbClr>
                           </a:solidFill>
-                          <a:latin typeface="Arial"/>
-                          <a:cs typeface="Arial"/>
+                          <a:latin typeface="Roboto"/>
+                          <a:cs typeface="Roboto"/>
+                          <a:highlight>
+                            <a:srgbClr val="FFFFFF">
+                              <a:alpha val="0"/>
+                            </a:srgbClr>
+                          </a:highlight>
                         </a:rPr>
                         <a:t>Good</a:t>
                       </a:r>
                     </a:p>
                   </a:txBody>
                   <a:tcPr anchor="ctr" marB="0" marT="0" marR="0" marL="0">
-                    <a:lnL algn="ctr" cmpd="sng" cap="flat" w="0">
-                      <a:noFill/>
+                    <a:lnL w="0" cmpd="sng" algn="ctr" cap="flat">
+                      <a:solidFill>
+                        <a:srgbClr val="FFFFFF">
+                          <a:alpha val="0"/>
+                        </a:srgbClr>
+                      </a:solidFill>
                       <a:prstDash val="solid"/>
                     </a:lnL>
-                    <a:lnR algn="ctr" cmpd="sng" cap="flat" w="0">
-                      <a:noFill/>
+                    <a:lnR w="0" cmpd="sng" algn="ctr" cap="flat">
+                      <a:solidFill>
+                        <a:srgbClr val="FFFFFF">
+                          <a:alpha val="0"/>
+                        </a:srgbClr>
+                      </a:solidFill>
                       <a:prstDash val="solid"/>
                     </a:lnR>
-                    <a:lnT algn="ctr" cmpd="sng" cap="flat" w="12700">
-                      <a:solidFill>
-                        <a:srgbClr val="000000">
-                          <a:alpha val="100000"/>
+                    <a:lnT w="0" cmpd="sng" algn="ctr" cap="flat">
+                      <a:solidFill>
+                        <a:srgbClr val="FFFFFF">
+                          <a:alpha val="0"/>
                         </a:srgbClr>
                       </a:solidFill>
                       <a:prstDash val="solid"/>
                     </a:lnT>
-                    <a:lnB algn="ctr" cmpd="sng" cap="flat" w="12700">
-                      <a:solidFill>
-                        <a:srgbClr val="000000">
-                          <a:alpha val="100000"/>
+                    <a:lnB w="0" cmpd="sng" algn="ctr" cap="flat">
+                      <a:solidFill>
+                        <a:srgbClr val="FFFFFF">
+                          <a:alpha val="0"/>
                         </a:srgbClr>
                       </a:solidFill>
                       <a:prstDash val="solid"/>
@@ -3871,7 +4288,7 @@
                     <a:bodyPr/>
                     <a:lstStyle/>
                     <a:p>
-                      <a:pPr algn="r" marL="25400" marR="25400">
+                      <a:pPr algn="r" marL="63500" marR="63500">
                         <a:spcBef>
                           <a:spcPts val="200"/>
                         </a:spcBef>
@@ -3883,38 +4300,51 @@
                       <a:r>
                         <a:rPr sz="2400">
                           <a:solidFill>
-                            <a:srgbClr val="000000">
+                            <a:srgbClr val="111111">
                               <a:alpha val="100000"/>
                             </a:srgbClr>
                           </a:solidFill>
-                          <a:latin typeface="Arial"/>
-                          <a:cs typeface="Arial"/>
+                          <a:latin typeface="Roboto"/>
+                          <a:cs typeface="Roboto"/>
+                          <a:highlight>
+                            <a:srgbClr val="FFFFFF">
+                              <a:alpha val="0"/>
+                            </a:srgbClr>
+                          </a:highlight>
                         </a:rPr>
-                        <a:t>6500.000</a:t>
+                        <a:t>3383.125</a:t>
                       </a:r>
                     </a:p>
                   </a:txBody>
                   <a:tcPr anchor="ctr" marB="0" marT="0" marR="0" marL="0">
-                    <a:lnL algn="ctr" cmpd="sng" cap="flat" w="0">
-                      <a:noFill/>
+                    <a:lnL w="0" cmpd="sng" algn="ctr" cap="flat">
+                      <a:solidFill>
+                        <a:srgbClr val="FFFFFF">
+                          <a:alpha val="0"/>
+                        </a:srgbClr>
+                      </a:solidFill>
                       <a:prstDash val="solid"/>
                     </a:lnL>
-                    <a:lnR algn="ctr" cmpd="sng" cap="flat" w="0">
-                      <a:noFill/>
+                    <a:lnR w="0" cmpd="sng" algn="ctr" cap="flat">
+                      <a:solidFill>
+                        <a:srgbClr val="FFFFFF">
+                          <a:alpha val="0"/>
+                        </a:srgbClr>
+                      </a:solidFill>
                       <a:prstDash val="solid"/>
                     </a:lnR>
-                    <a:lnT algn="ctr" cmpd="sng" cap="flat" w="12700">
-                      <a:solidFill>
-                        <a:srgbClr val="000000">
-                          <a:alpha val="100000"/>
+                    <a:lnT w="0" cmpd="sng" algn="ctr" cap="flat">
+                      <a:solidFill>
+                        <a:srgbClr val="FFFFFF">
+                          <a:alpha val="0"/>
                         </a:srgbClr>
                       </a:solidFill>
                       <a:prstDash val="solid"/>
                     </a:lnT>
-                    <a:lnB algn="ctr" cmpd="sng" cap="flat" w="12700">
-                      <a:solidFill>
-                        <a:srgbClr val="000000">
-                          <a:alpha val="100000"/>
+                    <a:lnB w="0" cmpd="sng" algn="ctr" cap="flat">
+                      <a:solidFill>
+                        <a:srgbClr val="FFFFFF">
+                          <a:alpha val="0"/>
                         </a:srgbClr>
                       </a:solidFill>
                       <a:prstDash val="solid"/>
@@ -3928,7 +4358,7 @@
                     <a:bodyPr/>
                     <a:lstStyle/>
                     <a:p>
-                      <a:pPr algn="r" marL="25400" marR="25400">
+                      <a:pPr algn="l" marL="63500" marR="63500">
                         <a:spcBef>
                           <a:spcPts val="200"/>
                         </a:spcBef>
@@ -3940,38 +4370,51 @@
                       <a:r>
                         <a:rPr sz="2400">
                           <a:solidFill>
-                            <a:srgbClr val="000000">
+                            <a:srgbClr val="111111">
                               <a:alpha val="100000"/>
                             </a:srgbClr>
                           </a:solidFill>
-                          <a:latin typeface="Arial"/>
-                          <a:cs typeface="Arial"/>
+                          <a:latin typeface="Roboto"/>
+                          <a:cs typeface="Roboto"/>
+                          <a:highlight>
+                            <a:srgbClr val="FFFFFF">
+                              <a:alpha val="0"/>
+                            </a:srgbClr>
+                          </a:highlight>
                         </a:rPr>
                         <a:t>Very Good</a:t>
                       </a:r>
                     </a:p>
                   </a:txBody>
                   <a:tcPr anchor="ctr" marB="0" marT="0" marR="0" marL="0">
-                    <a:lnL algn="ctr" cmpd="sng" cap="flat" w="0">
-                      <a:noFill/>
+                    <a:lnL w="0" cmpd="sng" algn="ctr" cap="flat">
+                      <a:solidFill>
+                        <a:srgbClr val="FFFFFF">
+                          <a:alpha val="0"/>
+                        </a:srgbClr>
+                      </a:solidFill>
                       <a:prstDash val="solid"/>
                     </a:lnL>
-                    <a:lnR algn="ctr" cmpd="sng" cap="flat" w="0">
-                      <a:noFill/>
+                    <a:lnR w="0" cmpd="sng" algn="ctr" cap="flat">
+                      <a:solidFill>
+                        <a:srgbClr val="FFFFFF">
+                          <a:alpha val="0"/>
+                        </a:srgbClr>
+                      </a:solidFill>
                       <a:prstDash val="solid"/>
                     </a:lnR>
-                    <a:lnT algn="ctr" cmpd="sng" cap="flat" w="12700">
-                      <a:solidFill>
-                        <a:srgbClr val="000000">
-                          <a:alpha val="100000"/>
+                    <a:lnT w="0" cmpd="sng" algn="ctr" cap="flat">
+                      <a:solidFill>
+                        <a:srgbClr val="FFFFFF">
+                          <a:alpha val="0"/>
                         </a:srgbClr>
                       </a:solidFill>
                       <a:prstDash val="solid"/>
                     </a:lnT>
-                    <a:lnB algn="ctr" cmpd="sng" cap="flat" w="12700">
-                      <a:solidFill>
-                        <a:srgbClr val="000000">
-                          <a:alpha val="100000"/>
+                    <a:lnB w="0" cmpd="sng" algn="ctr" cap="flat">
+                      <a:solidFill>
+                        <a:srgbClr val="FFFFFF">
+                          <a:alpha val="0"/>
                         </a:srgbClr>
                       </a:solidFill>
                       <a:prstDash val="solid"/>
@@ -3983,7 +4426,7 @@
                     <a:bodyPr/>
                     <a:lstStyle/>
                     <a:p>
-                      <a:pPr algn="r" marL="25400" marR="25400">
+                      <a:pPr algn="r" marL="63500" marR="63500">
                         <a:spcBef>
                           <a:spcPts val="200"/>
                         </a:spcBef>
@@ -3995,38 +4438,51 @@
                       <a:r>
                         <a:rPr sz="2400">
                           <a:solidFill>
-                            <a:srgbClr val="000000">
+                            <a:srgbClr val="111111">
                               <a:alpha val="100000"/>
                             </a:srgbClr>
                           </a:solidFill>
-                          <a:latin typeface="Arial"/>
-                          <a:cs typeface="Arial"/>
+                          <a:latin typeface="Roboto"/>
+                          <a:cs typeface="Roboto"/>
+                          <a:highlight>
+                            <a:srgbClr val="FFFFFF">
+                              <a:alpha val="0"/>
+                            </a:srgbClr>
+                          </a:highlight>
                         </a:rPr>
-                        <a:t>4130.000</a:t>
+                        <a:t>4959.308</a:t>
                       </a:r>
                     </a:p>
                   </a:txBody>
                   <a:tcPr anchor="ctr" marB="0" marT="0" marR="0" marL="0">
-                    <a:lnL algn="ctr" cmpd="sng" cap="flat" w="0">
-                      <a:noFill/>
+                    <a:lnL w="0" cmpd="sng" algn="ctr" cap="flat">
+                      <a:solidFill>
+                        <a:srgbClr val="FFFFFF">
+                          <a:alpha val="0"/>
+                        </a:srgbClr>
+                      </a:solidFill>
                       <a:prstDash val="solid"/>
                     </a:lnL>
-                    <a:lnR algn="ctr" cmpd="sng" cap="flat" w="0">
-                      <a:noFill/>
+                    <a:lnR w="0" cmpd="sng" algn="ctr" cap="flat">
+                      <a:solidFill>
+                        <a:srgbClr val="FFFFFF">
+                          <a:alpha val="0"/>
+                        </a:srgbClr>
+                      </a:solidFill>
                       <a:prstDash val="solid"/>
                     </a:lnR>
-                    <a:lnT algn="ctr" cmpd="sng" cap="flat" w="12700">
-                      <a:solidFill>
-                        <a:srgbClr val="000000">
-                          <a:alpha val="100000"/>
+                    <a:lnT w="0" cmpd="sng" algn="ctr" cap="flat">
+                      <a:solidFill>
+                        <a:srgbClr val="FFFFFF">
+                          <a:alpha val="0"/>
                         </a:srgbClr>
                       </a:solidFill>
                       <a:prstDash val="solid"/>
                     </a:lnT>
-                    <a:lnB algn="ctr" cmpd="sng" cap="flat" w="12700">
-                      <a:solidFill>
-                        <a:srgbClr val="000000">
-                          <a:alpha val="100000"/>
+                    <a:lnB w="0" cmpd="sng" algn="ctr" cap="flat">
+                      <a:solidFill>
+                        <a:srgbClr val="FFFFFF">
+                          <a:alpha val="0"/>
                         </a:srgbClr>
                       </a:solidFill>
                       <a:prstDash val="solid"/>
@@ -4040,7 +4496,7 @@
                     <a:bodyPr/>
                     <a:lstStyle/>
                     <a:p>
-                      <a:pPr algn="r" marL="25400" marR="25400">
+                      <a:pPr algn="l" marL="63500" marR="63500">
                         <a:spcBef>
                           <a:spcPts val="200"/>
                         </a:spcBef>
@@ -4052,38 +4508,51 @@
                       <a:r>
                         <a:rPr sz="2400">
                           <a:solidFill>
-                            <a:srgbClr val="000000">
+                            <a:srgbClr val="111111">
                               <a:alpha val="100000"/>
                             </a:srgbClr>
                           </a:solidFill>
-                          <a:latin typeface="Arial"/>
-                          <a:cs typeface="Arial"/>
+                          <a:latin typeface="Roboto"/>
+                          <a:cs typeface="Roboto"/>
+                          <a:highlight>
+                            <a:srgbClr val="FFFFFF">
+                              <a:alpha val="0"/>
+                            </a:srgbClr>
+                          </a:highlight>
                         </a:rPr>
                         <a:t>Premium</a:t>
                       </a:r>
                     </a:p>
                   </a:txBody>
                   <a:tcPr anchor="ctr" marB="0" marT="0" marR="0" marL="0">
-                    <a:lnL algn="ctr" cmpd="sng" cap="flat" w="0">
-                      <a:noFill/>
+                    <a:lnL w="0" cmpd="sng" algn="ctr" cap="flat">
+                      <a:solidFill>
+                        <a:srgbClr val="FFFFFF">
+                          <a:alpha val="0"/>
+                        </a:srgbClr>
+                      </a:solidFill>
                       <a:prstDash val="solid"/>
                     </a:lnL>
-                    <a:lnR algn="ctr" cmpd="sng" cap="flat" w="0">
-                      <a:noFill/>
+                    <a:lnR w="0" cmpd="sng" algn="ctr" cap="flat">
+                      <a:solidFill>
+                        <a:srgbClr val="FFFFFF">
+                          <a:alpha val="0"/>
+                        </a:srgbClr>
+                      </a:solidFill>
                       <a:prstDash val="solid"/>
                     </a:lnR>
-                    <a:lnT algn="ctr" cmpd="sng" cap="flat" w="12700">
-                      <a:solidFill>
-                        <a:srgbClr val="000000">
-                          <a:alpha val="100000"/>
+                    <a:lnT w="0" cmpd="sng" algn="ctr" cap="flat">
+                      <a:solidFill>
+                        <a:srgbClr val="FFFFFF">
+                          <a:alpha val="0"/>
                         </a:srgbClr>
                       </a:solidFill>
                       <a:prstDash val="solid"/>
                     </a:lnT>
-                    <a:lnB algn="ctr" cmpd="sng" cap="flat" w="12700">
-                      <a:solidFill>
-                        <a:srgbClr val="000000">
-                          <a:alpha val="100000"/>
+                    <a:lnB w="0" cmpd="sng" algn="ctr" cap="flat">
+                      <a:solidFill>
+                        <a:srgbClr val="FFFFFF">
+                          <a:alpha val="0"/>
                         </a:srgbClr>
                       </a:solidFill>
                       <a:prstDash val="solid"/>
@@ -4095,7 +4564,7 @@
                     <a:bodyPr/>
                     <a:lstStyle/>
                     <a:p>
-                      <a:pPr algn="r" marL="25400" marR="25400">
+                      <a:pPr algn="r" marL="63500" marR="63500">
                         <a:spcBef>
                           <a:spcPts val="200"/>
                         </a:spcBef>
@@ -4107,38 +4576,51 @@
                       <a:r>
                         <a:rPr sz="2400">
                           <a:solidFill>
-                            <a:srgbClr val="000000">
+                            <a:srgbClr val="111111">
                               <a:alpha val="100000"/>
                             </a:srgbClr>
                           </a:solidFill>
-                          <a:latin typeface="Arial"/>
-                          <a:cs typeface="Arial"/>
+                          <a:latin typeface="Roboto"/>
+                          <a:cs typeface="Roboto"/>
+                          <a:highlight>
+                            <a:srgbClr val="FFFFFF">
+                              <a:alpha val="0"/>
+                            </a:srgbClr>
+                          </a:highlight>
                         </a:rPr>
-                        <a:t>5039.800</a:t>
+                        <a:t>6273.773</a:t>
                       </a:r>
                     </a:p>
                   </a:txBody>
                   <a:tcPr anchor="ctr" marB="0" marT="0" marR="0" marL="0">
-                    <a:lnL algn="ctr" cmpd="sng" cap="flat" w="0">
-                      <a:noFill/>
+                    <a:lnL w="0" cmpd="sng" algn="ctr" cap="flat">
+                      <a:solidFill>
+                        <a:srgbClr val="FFFFFF">
+                          <a:alpha val="0"/>
+                        </a:srgbClr>
+                      </a:solidFill>
                       <a:prstDash val="solid"/>
                     </a:lnL>
-                    <a:lnR algn="ctr" cmpd="sng" cap="flat" w="0">
-                      <a:noFill/>
+                    <a:lnR w="0" cmpd="sng" algn="ctr" cap="flat">
+                      <a:solidFill>
+                        <a:srgbClr val="FFFFFF">
+                          <a:alpha val="0"/>
+                        </a:srgbClr>
+                      </a:solidFill>
                       <a:prstDash val="solid"/>
                     </a:lnR>
-                    <a:lnT algn="ctr" cmpd="sng" cap="flat" w="12700">
-                      <a:solidFill>
-                        <a:srgbClr val="000000">
-                          <a:alpha val="100000"/>
+                    <a:lnT w="0" cmpd="sng" algn="ctr" cap="flat">
+                      <a:solidFill>
+                        <a:srgbClr val="FFFFFF">
+                          <a:alpha val="0"/>
                         </a:srgbClr>
                       </a:solidFill>
                       <a:prstDash val="solid"/>
                     </a:lnT>
-                    <a:lnB algn="ctr" cmpd="sng" cap="flat" w="12700">
-                      <a:solidFill>
-                        <a:srgbClr val="000000">
-                          <a:alpha val="100000"/>
+                    <a:lnB w="0" cmpd="sng" algn="ctr" cap="flat">
+                      <a:solidFill>
+                        <a:srgbClr val="FFFFFF">
+                          <a:alpha val="0"/>
                         </a:srgbClr>
                       </a:solidFill>
                       <a:prstDash val="solid"/>
@@ -4152,7 +4634,7 @@
                     <a:bodyPr/>
                     <a:lstStyle/>
                     <a:p>
-                      <a:pPr algn="r" marL="25400" marR="25400">
+                      <a:pPr algn="l" marL="63500" marR="63500">
                         <a:spcBef>
                           <a:spcPts val="200"/>
                         </a:spcBef>
@@ -4164,31 +4646,48 @@
                       <a:r>
                         <a:rPr sz="2400">
                           <a:solidFill>
-                            <a:srgbClr val="000000">
+                            <a:srgbClr val="111111">
                               <a:alpha val="100000"/>
                             </a:srgbClr>
                           </a:solidFill>
-                          <a:latin typeface="Arial"/>
-                          <a:cs typeface="Arial"/>
+                          <a:latin typeface="Roboto"/>
+                          <a:cs typeface="Roboto"/>
+                          <a:highlight>
+                            <a:srgbClr val="FFFFFF">
+                              <a:alpha val="0"/>
+                            </a:srgbClr>
+                          </a:highlight>
                         </a:rPr>
                         <a:t>Ideal</a:t>
                       </a:r>
                     </a:p>
                   </a:txBody>
                   <a:tcPr anchor="ctr" marB="0" marT="0" marR="0" marL="0">
-                    <a:lnL algn="ctr" cmpd="sng" cap="flat" w="0">
-                      <a:noFill/>
+                    <a:lnL w="0" cmpd="sng" algn="ctr" cap="flat">
+                      <a:solidFill>
+                        <a:srgbClr val="FFFFFF">
+                          <a:alpha val="0"/>
+                        </a:srgbClr>
+                      </a:solidFill>
                       <a:prstDash val="solid"/>
                     </a:lnL>
-                    <a:lnR algn="ctr" cmpd="sng" cap="flat" w="0">
-                      <a:noFill/>
+                    <a:lnR w="0" cmpd="sng" algn="ctr" cap="flat">
+                      <a:solidFill>
+                        <a:srgbClr val="FFFFFF">
+                          <a:alpha val="0"/>
+                        </a:srgbClr>
+                      </a:solidFill>
                       <a:prstDash val="solid"/>
                     </a:lnR>
-                    <a:lnT algn="ctr" cmpd="sng" cap="flat" w="0">
-                      <a:noFill/>
+                    <a:lnT w="0" cmpd="sng" algn="ctr" cap="flat">
+                      <a:solidFill>
+                        <a:srgbClr val="FFFFFF">
+                          <a:alpha val="0"/>
+                        </a:srgbClr>
+                      </a:solidFill>
                       <a:prstDash val="solid"/>
                     </a:lnT>
-                    <a:lnB algn="ctr" cmpd="sng" cap="flat" w="25400">
+                    <a:lnB w="25400" cmpd="sng" algn="ctr" cap="flat">
                       <a:solidFill>
                         <a:srgbClr val="000000">
                           <a:alpha val="100000"/>
@@ -4203,7 +4702,7 @@
                     <a:bodyPr/>
                     <a:lstStyle/>
                     <a:p>
-                      <a:pPr algn="r" marL="25400" marR="25400">
+                      <a:pPr algn="r" marL="63500" marR="63500">
                         <a:spcBef>
                           <a:spcPts val="200"/>
                         </a:spcBef>
@@ -4215,31 +4714,48 @@
                       <a:r>
                         <a:rPr sz="2400">
                           <a:solidFill>
-                            <a:srgbClr val="000000">
+                            <a:srgbClr val="111111">
                               <a:alpha val="100000"/>
                             </a:srgbClr>
                           </a:solidFill>
-                          <a:latin typeface="Arial"/>
-                          <a:cs typeface="Arial"/>
+                          <a:latin typeface="Roboto"/>
+                          <a:cs typeface="Roboto"/>
+                          <a:highlight>
+                            <a:srgbClr val="FFFFFF">
+                              <a:alpha val="0"/>
+                            </a:srgbClr>
+                          </a:highlight>
                         </a:rPr>
-                        <a:t>3942.846</a:t>
+                        <a:t>2611.000</a:t>
                       </a:r>
                     </a:p>
                   </a:txBody>
                   <a:tcPr anchor="ctr" marB="0" marT="0" marR="0" marL="0">
-                    <a:lnL algn="ctr" cmpd="sng" cap="flat" w="0">
-                      <a:noFill/>
+                    <a:lnL w="0" cmpd="sng" algn="ctr" cap="flat">
+                      <a:solidFill>
+                        <a:srgbClr val="FFFFFF">
+                          <a:alpha val="0"/>
+                        </a:srgbClr>
+                      </a:solidFill>
                       <a:prstDash val="solid"/>
                     </a:lnL>
-                    <a:lnR algn="ctr" cmpd="sng" cap="flat" w="0">
-                      <a:noFill/>
+                    <a:lnR w="0" cmpd="sng" algn="ctr" cap="flat">
+                      <a:solidFill>
+                        <a:srgbClr val="FFFFFF">
+                          <a:alpha val="0"/>
+                        </a:srgbClr>
+                      </a:solidFill>
                       <a:prstDash val="solid"/>
                     </a:lnR>
-                    <a:lnT algn="ctr" cmpd="sng" cap="flat" w="0">
-                      <a:noFill/>
+                    <a:lnT w="0" cmpd="sng" algn="ctr" cap="flat">
+                      <a:solidFill>
+                        <a:srgbClr val="FFFFFF">
+                          <a:alpha val="0"/>
+                        </a:srgbClr>
+                      </a:solidFill>
                       <a:prstDash val="solid"/>
                     </a:lnT>
-                    <a:lnB algn="ctr" cmpd="sng" cap="flat" w="25400">
+                    <a:lnB w="25400" cmpd="sng" algn="ctr" cap="flat">
                       <a:solidFill>
                         <a:srgbClr val="000000">
                           <a:alpha val="100000"/>

--- a/tests/pptx/phl_with_flextable.pptx
+++ b/tests/pptx/phl_with_flextable.pptx
@@ -2231,8 +2231,8 @@
             <a:tbl>
               <a:tblPr/>
               <a:tblGrid>
-                <a:gridCol w="4509680"/>
-                <a:gridCol w="4131400"/>
+                <a:gridCol w="5528777"/>
+                <a:gridCol w="3112303"/>
               </a:tblGrid>
               <a:tr h="632460">
                 <a:tc>
@@ -2240,29 +2240,27 @@
                     <a:bodyPr/>
                     <a:lstStyle/>
                     <a:p>
-                      <a:pPr algn="l" marL="63500" marR="63500">
+                      <a:pPr algn="l" marL="38100" marR="38100">
+                        <a:lnSpc>
+                          <a:spcPct val="100000"/>
+                        </a:lnSpc>
                         <a:spcBef>
-                          <a:spcPts val="200"/>
+                          <a:spcPts val="300"/>
                         </a:spcBef>
                         <a:spcAft>
-                          <a:spcPts val="200"/>
+                          <a:spcPts val="300"/>
                         </a:spcAft>
                         <a:buNone/>
                       </a:pPr>
                       <a:r>
                         <a:rPr sz="3700">
                           <a:solidFill>
-                            <a:srgbClr val="111111">
+                            <a:srgbClr val="000000">
                               <a:alpha val="100000"/>
                             </a:srgbClr>
                           </a:solidFill>
-                          <a:latin typeface="Roboto"/>
-                          <a:cs typeface="Roboto"/>
-                          <a:highlight>
-                            <a:srgbClr val="FFFFFF">
-                              <a:alpha val="0"/>
-                            </a:srgbClr>
-                          </a:highlight>
+                          <a:latin typeface="DejaVu Sans"/>
+                          <a:cs typeface="DejaVu Sans"/>
                         </a:rPr>
                         <a:t>cut</a:t>
                       </a:r>
@@ -2308,29 +2306,27 @@
                     <a:bodyPr/>
                     <a:lstStyle/>
                     <a:p>
-                      <a:pPr algn="r" marL="63500" marR="63500">
+                      <a:pPr algn="r" marL="38100" marR="38100">
+                        <a:lnSpc>
+                          <a:spcPct val="100000"/>
+                        </a:lnSpc>
                         <a:spcBef>
-                          <a:spcPts val="200"/>
+                          <a:spcPts val="300"/>
                         </a:spcBef>
                         <a:spcAft>
-                          <a:spcPts val="200"/>
+                          <a:spcPts val="300"/>
                         </a:spcAft>
                         <a:buNone/>
                       </a:pPr>
                       <a:r>
                         <a:rPr sz="3700">
                           <a:solidFill>
-                            <a:srgbClr val="111111">
+                            <a:srgbClr val="000000">
                               <a:alpha val="100000"/>
                             </a:srgbClr>
                           </a:solidFill>
-                          <a:latin typeface="Roboto"/>
-                          <a:cs typeface="Roboto"/>
-                          <a:highlight>
-                            <a:srgbClr val="FFFFFF">
-                              <a:alpha val="0"/>
-                            </a:srgbClr>
-                          </a:highlight>
+                          <a:latin typeface="DejaVu Sans"/>
+                          <a:cs typeface="DejaVu Sans"/>
                         </a:rPr>
                         <a:t>Price</a:t>
                       </a:r>
@@ -2378,29 +2374,27 @@
                     <a:bodyPr/>
                     <a:lstStyle/>
                     <a:p>
-                      <a:pPr algn="l" marL="63500" marR="63500">
+                      <a:pPr algn="l" marL="38100" marR="38100">
+                        <a:lnSpc>
+                          <a:spcPct val="100000"/>
+                        </a:lnSpc>
                         <a:spcBef>
-                          <a:spcPts val="200"/>
+                          <a:spcPts val="300"/>
                         </a:spcBef>
                         <a:spcAft>
-                          <a:spcPts val="200"/>
+                          <a:spcPts val="300"/>
                         </a:spcAft>
                         <a:buNone/>
                       </a:pPr>
                       <a:r>
                         <a:rPr sz="3700">
                           <a:solidFill>
-                            <a:srgbClr val="111111">
+                            <a:srgbClr val="000000">
                               <a:alpha val="100000"/>
                             </a:srgbClr>
                           </a:solidFill>
-                          <a:latin typeface="Roboto"/>
-                          <a:cs typeface="Roboto"/>
-                          <a:highlight>
-                            <a:srgbClr val="FFFFFF">
-                              <a:alpha val="0"/>
-                            </a:srgbClr>
-                          </a:highlight>
+                          <a:latin typeface="DejaVu Sans"/>
+                          <a:cs typeface="DejaVu Sans"/>
                         </a:rPr>
                         <a:t>Fair</a:t>
                       </a:r>
@@ -2446,31 +2440,29 @@
                     <a:bodyPr/>
                     <a:lstStyle/>
                     <a:p>
-                      <a:pPr algn="r" marL="63500" marR="63500">
+                      <a:pPr algn="r" marL="38100" marR="38100">
+                        <a:lnSpc>
+                          <a:spcPct val="100000"/>
+                        </a:lnSpc>
                         <a:spcBef>
-                          <a:spcPts val="200"/>
+                          <a:spcPts val="300"/>
                         </a:spcBef>
                         <a:spcAft>
-                          <a:spcPts val="200"/>
+                          <a:spcPts val="300"/>
                         </a:spcAft>
                         <a:buNone/>
                       </a:pPr>
                       <a:r>
                         <a:rPr sz="3700">
                           <a:solidFill>
-                            <a:srgbClr val="111111">
+                            <a:srgbClr val="000000">
                               <a:alpha val="100000"/>
                             </a:srgbClr>
                           </a:solidFill>
-                          <a:latin typeface="Roboto"/>
-                          <a:cs typeface="Roboto"/>
-                          <a:highlight>
-                            <a:srgbClr val="FFFFFF">
-                              <a:alpha val="0"/>
-                            </a:srgbClr>
-                          </a:highlight>
+                          <a:latin typeface="DejaVu Sans"/>
+                          <a:cs typeface="DejaVu Sans"/>
                         </a:rPr>
-                        <a:t>8818.000</a:t>
+                        <a:t>8,818</a:t>
                       </a:r>
                     </a:p>
                   </a:txBody>
@@ -2516,29 +2508,27 @@
                     <a:bodyPr/>
                     <a:lstStyle/>
                     <a:p>
-                      <a:pPr algn="l" marL="63500" marR="63500">
+                      <a:pPr algn="l" marL="38100" marR="38100">
+                        <a:lnSpc>
+                          <a:spcPct val="100000"/>
+                        </a:lnSpc>
                         <a:spcBef>
-                          <a:spcPts val="200"/>
+                          <a:spcPts val="300"/>
                         </a:spcBef>
                         <a:spcAft>
-                          <a:spcPts val="200"/>
+                          <a:spcPts val="300"/>
                         </a:spcAft>
                         <a:buNone/>
                       </a:pPr>
                       <a:r>
                         <a:rPr sz="3700">
                           <a:solidFill>
-                            <a:srgbClr val="111111">
+                            <a:srgbClr val="000000">
                               <a:alpha val="100000"/>
                             </a:srgbClr>
                           </a:solidFill>
-                          <a:latin typeface="Roboto"/>
-                          <a:cs typeface="Roboto"/>
-                          <a:highlight>
-                            <a:srgbClr val="FFFFFF">
-                              <a:alpha val="0"/>
-                            </a:srgbClr>
-                          </a:highlight>
+                          <a:latin typeface="DejaVu Sans"/>
+                          <a:cs typeface="DejaVu Sans"/>
                         </a:rPr>
                         <a:t>Good</a:t>
                       </a:r>
@@ -2584,31 +2574,29 @@
                     <a:bodyPr/>
                     <a:lstStyle/>
                     <a:p>
-                      <a:pPr algn="r" marL="63500" marR="63500">
+                      <a:pPr algn="r" marL="38100" marR="38100">
+                        <a:lnSpc>
+                          <a:spcPct val="100000"/>
+                        </a:lnSpc>
                         <a:spcBef>
-                          <a:spcPts val="200"/>
+                          <a:spcPts val="300"/>
                         </a:spcBef>
                         <a:spcAft>
-                          <a:spcPts val="200"/>
+                          <a:spcPts val="300"/>
                         </a:spcAft>
                         <a:buNone/>
                       </a:pPr>
                       <a:r>
                         <a:rPr sz="3700">
                           <a:solidFill>
-                            <a:srgbClr val="111111">
+                            <a:srgbClr val="000000">
                               <a:alpha val="100000"/>
                             </a:srgbClr>
                           </a:solidFill>
-                          <a:latin typeface="Roboto"/>
-                          <a:cs typeface="Roboto"/>
-                          <a:highlight>
-                            <a:srgbClr val="FFFFFF">
-                              <a:alpha val="0"/>
-                            </a:srgbClr>
-                          </a:highlight>
+                          <a:latin typeface="DejaVu Sans"/>
+                          <a:cs typeface="DejaVu Sans"/>
                         </a:rPr>
-                        <a:t>3383.125</a:t>
+                        <a:t>3,383</a:t>
                       </a:r>
                     </a:p>
                   </a:txBody>
@@ -2654,29 +2642,27 @@
                     <a:bodyPr/>
                     <a:lstStyle/>
                     <a:p>
-                      <a:pPr algn="l" marL="63500" marR="63500">
+                      <a:pPr algn="l" marL="38100" marR="38100">
+                        <a:lnSpc>
+                          <a:spcPct val="100000"/>
+                        </a:lnSpc>
                         <a:spcBef>
-                          <a:spcPts val="200"/>
+                          <a:spcPts val="300"/>
                         </a:spcBef>
                         <a:spcAft>
-                          <a:spcPts val="200"/>
+                          <a:spcPts val="300"/>
                         </a:spcAft>
                         <a:buNone/>
                       </a:pPr>
                       <a:r>
                         <a:rPr sz="3700">
                           <a:solidFill>
-                            <a:srgbClr val="111111">
+                            <a:srgbClr val="000000">
                               <a:alpha val="100000"/>
                             </a:srgbClr>
                           </a:solidFill>
-                          <a:latin typeface="Roboto"/>
-                          <a:cs typeface="Roboto"/>
-                          <a:highlight>
-                            <a:srgbClr val="FFFFFF">
-                              <a:alpha val="0"/>
-                            </a:srgbClr>
-                          </a:highlight>
+                          <a:latin typeface="DejaVu Sans"/>
+                          <a:cs typeface="DejaVu Sans"/>
                         </a:rPr>
                         <a:t>Very Good</a:t>
                       </a:r>
@@ -2722,31 +2708,29 @@
                     <a:bodyPr/>
                     <a:lstStyle/>
                     <a:p>
-                      <a:pPr algn="r" marL="63500" marR="63500">
+                      <a:pPr algn="r" marL="38100" marR="38100">
+                        <a:lnSpc>
+                          <a:spcPct val="100000"/>
+                        </a:lnSpc>
                         <a:spcBef>
-                          <a:spcPts val="200"/>
+                          <a:spcPts val="300"/>
                         </a:spcBef>
                         <a:spcAft>
-                          <a:spcPts val="200"/>
+                          <a:spcPts val="300"/>
                         </a:spcAft>
                         <a:buNone/>
                       </a:pPr>
                       <a:r>
                         <a:rPr sz="3700">
                           <a:solidFill>
-                            <a:srgbClr val="111111">
+                            <a:srgbClr val="000000">
                               <a:alpha val="100000"/>
                             </a:srgbClr>
                           </a:solidFill>
-                          <a:latin typeface="Roboto"/>
-                          <a:cs typeface="Roboto"/>
-                          <a:highlight>
-                            <a:srgbClr val="FFFFFF">
-                              <a:alpha val="0"/>
-                            </a:srgbClr>
-                          </a:highlight>
+                          <a:latin typeface="DejaVu Sans"/>
+                          <a:cs typeface="DejaVu Sans"/>
                         </a:rPr>
-                        <a:t>4959.308</a:t>
+                        <a:t>4,959</a:t>
                       </a:r>
                     </a:p>
                   </a:txBody>
@@ -2792,29 +2776,27 @@
                     <a:bodyPr/>
                     <a:lstStyle/>
                     <a:p>
-                      <a:pPr algn="l" marL="63500" marR="63500">
+                      <a:pPr algn="l" marL="38100" marR="38100">
+                        <a:lnSpc>
+                          <a:spcPct val="100000"/>
+                        </a:lnSpc>
                         <a:spcBef>
-                          <a:spcPts val="200"/>
+                          <a:spcPts val="300"/>
                         </a:spcBef>
                         <a:spcAft>
-                          <a:spcPts val="200"/>
+                          <a:spcPts val="300"/>
                         </a:spcAft>
                         <a:buNone/>
                       </a:pPr>
                       <a:r>
                         <a:rPr sz="3700">
                           <a:solidFill>
-                            <a:srgbClr val="111111">
+                            <a:srgbClr val="000000">
                               <a:alpha val="100000"/>
                             </a:srgbClr>
                           </a:solidFill>
-                          <a:latin typeface="Roboto"/>
-                          <a:cs typeface="Roboto"/>
-                          <a:highlight>
-                            <a:srgbClr val="FFFFFF">
-                              <a:alpha val="0"/>
-                            </a:srgbClr>
-                          </a:highlight>
+                          <a:latin typeface="DejaVu Sans"/>
+                          <a:cs typeface="DejaVu Sans"/>
                         </a:rPr>
                         <a:t>Premium</a:t>
                       </a:r>
@@ -2860,31 +2842,29 @@
                     <a:bodyPr/>
                     <a:lstStyle/>
                     <a:p>
-                      <a:pPr algn="r" marL="63500" marR="63500">
+                      <a:pPr algn="r" marL="38100" marR="38100">
+                        <a:lnSpc>
+                          <a:spcPct val="100000"/>
+                        </a:lnSpc>
                         <a:spcBef>
-                          <a:spcPts val="200"/>
+                          <a:spcPts val="300"/>
                         </a:spcBef>
                         <a:spcAft>
-                          <a:spcPts val="200"/>
+                          <a:spcPts val="300"/>
                         </a:spcAft>
                         <a:buNone/>
                       </a:pPr>
                       <a:r>
                         <a:rPr sz="3700">
                           <a:solidFill>
-                            <a:srgbClr val="111111">
+                            <a:srgbClr val="000000">
                               <a:alpha val="100000"/>
                             </a:srgbClr>
                           </a:solidFill>
-                          <a:latin typeface="Roboto"/>
-                          <a:cs typeface="Roboto"/>
-                          <a:highlight>
-                            <a:srgbClr val="FFFFFF">
-                              <a:alpha val="0"/>
-                            </a:srgbClr>
-                          </a:highlight>
+                          <a:latin typeface="DejaVu Sans"/>
+                          <a:cs typeface="DejaVu Sans"/>
                         </a:rPr>
-                        <a:t>6273.773</a:t>
+                        <a:t>6,274</a:t>
                       </a:r>
                     </a:p>
                   </a:txBody>
@@ -2930,29 +2910,27 @@
                     <a:bodyPr/>
                     <a:lstStyle/>
                     <a:p>
-                      <a:pPr algn="l" marL="63500" marR="63500">
+                      <a:pPr algn="l" marL="38100" marR="38100">
+                        <a:lnSpc>
+                          <a:spcPct val="100000"/>
+                        </a:lnSpc>
                         <a:spcBef>
-                          <a:spcPts val="200"/>
+                          <a:spcPts val="300"/>
                         </a:spcBef>
                         <a:spcAft>
-                          <a:spcPts val="200"/>
+                          <a:spcPts val="300"/>
                         </a:spcAft>
                         <a:buNone/>
                       </a:pPr>
                       <a:r>
                         <a:rPr sz="3700">
                           <a:solidFill>
-                            <a:srgbClr val="111111">
+                            <a:srgbClr val="000000">
                               <a:alpha val="100000"/>
                             </a:srgbClr>
                           </a:solidFill>
-                          <a:latin typeface="Roboto"/>
-                          <a:cs typeface="Roboto"/>
-                          <a:highlight>
-                            <a:srgbClr val="FFFFFF">
-                              <a:alpha val="0"/>
-                            </a:srgbClr>
-                          </a:highlight>
+                          <a:latin typeface="DejaVu Sans"/>
+                          <a:cs typeface="DejaVu Sans"/>
                         </a:rPr>
                         <a:t>Ideal</a:t>
                       </a:r>
@@ -2998,31 +2976,29 @@
                     <a:bodyPr/>
                     <a:lstStyle/>
                     <a:p>
-                      <a:pPr algn="r" marL="63500" marR="63500">
+                      <a:pPr algn="r" marL="38100" marR="38100">
+                        <a:lnSpc>
+                          <a:spcPct val="100000"/>
+                        </a:lnSpc>
                         <a:spcBef>
-                          <a:spcPts val="200"/>
+                          <a:spcPts val="300"/>
                         </a:spcBef>
                         <a:spcAft>
-                          <a:spcPts val="200"/>
+                          <a:spcPts val="300"/>
                         </a:spcAft>
                         <a:buNone/>
                       </a:pPr>
                       <a:r>
                         <a:rPr sz="3700">
                           <a:solidFill>
-                            <a:srgbClr val="111111">
+                            <a:srgbClr val="000000">
                               <a:alpha val="100000"/>
                             </a:srgbClr>
                           </a:solidFill>
-                          <a:latin typeface="Roboto"/>
-                          <a:cs typeface="Roboto"/>
-                          <a:highlight>
-                            <a:srgbClr val="FFFFFF">
-                              <a:alpha val="0"/>
-                            </a:srgbClr>
-                          </a:highlight>
+                          <a:latin typeface="DejaVu Sans"/>
+                          <a:cs typeface="DejaVu Sans"/>
                         </a:rPr>
-                        <a:t>2611.000</a:t>
+                        <a:t>2,611</a:t>
                       </a:r>
                     </a:p>
                   </a:txBody>
@@ -3083,8 +3059,8 @@
             <a:tbl>
               <a:tblPr/>
               <a:tblGrid>
-                <a:gridCol w="2239206"/>
-                <a:gridCol w="2058474"/>
+                <a:gridCol w="2733736"/>
+                <a:gridCol w="1563944"/>
               </a:tblGrid>
               <a:tr h="419100">
                 <a:tc>
@@ -3092,29 +3068,27 @@
                     <a:bodyPr/>
                     <a:lstStyle/>
                     <a:p>
-                      <a:pPr algn="l" marL="63500" marR="63500">
+                      <a:pPr algn="l" marL="38100" marR="38100">
+                        <a:lnSpc>
+                          <a:spcPct val="100000"/>
+                        </a:lnSpc>
                         <a:spcBef>
-                          <a:spcPts val="200"/>
+                          <a:spcPts val="300"/>
                         </a:spcBef>
                         <a:spcAft>
-                          <a:spcPts val="200"/>
+                          <a:spcPts val="300"/>
                         </a:spcAft>
                         <a:buNone/>
                       </a:pPr>
                       <a:r>
                         <a:rPr sz="2400">
                           <a:solidFill>
-                            <a:srgbClr val="111111">
+                            <a:srgbClr val="000000">
                               <a:alpha val="100000"/>
                             </a:srgbClr>
                           </a:solidFill>
-                          <a:latin typeface="Roboto"/>
-                          <a:cs typeface="Roboto"/>
-                          <a:highlight>
-                            <a:srgbClr val="FFFFFF">
-                              <a:alpha val="0"/>
-                            </a:srgbClr>
-                          </a:highlight>
+                          <a:latin typeface="DejaVu Sans"/>
+                          <a:cs typeface="DejaVu Sans"/>
                         </a:rPr>
                         <a:t>cut</a:t>
                       </a:r>
@@ -3160,29 +3134,27 @@
                     <a:bodyPr/>
                     <a:lstStyle/>
                     <a:p>
-                      <a:pPr algn="r" marL="63500" marR="63500">
+                      <a:pPr algn="r" marL="38100" marR="38100">
+                        <a:lnSpc>
+                          <a:spcPct val="100000"/>
+                        </a:lnSpc>
                         <a:spcBef>
-                          <a:spcPts val="200"/>
+                          <a:spcPts val="300"/>
                         </a:spcBef>
                         <a:spcAft>
-                          <a:spcPts val="200"/>
+                          <a:spcPts val="300"/>
                         </a:spcAft>
                         <a:buNone/>
                       </a:pPr>
                       <a:r>
                         <a:rPr sz="2400">
                           <a:solidFill>
-                            <a:srgbClr val="111111">
+                            <a:srgbClr val="000000">
                               <a:alpha val="100000"/>
                             </a:srgbClr>
                           </a:solidFill>
-                          <a:latin typeface="Roboto"/>
-                          <a:cs typeface="Roboto"/>
-                          <a:highlight>
-                            <a:srgbClr val="FFFFFF">
-                              <a:alpha val="0"/>
-                            </a:srgbClr>
-                          </a:highlight>
+                          <a:latin typeface="DejaVu Sans"/>
+                          <a:cs typeface="DejaVu Sans"/>
                         </a:rPr>
                         <a:t>Price</a:t>
                       </a:r>
@@ -3230,29 +3202,27 @@
                     <a:bodyPr/>
                     <a:lstStyle/>
                     <a:p>
-                      <a:pPr algn="l" marL="63500" marR="63500">
+                      <a:pPr algn="l" marL="38100" marR="38100">
+                        <a:lnSpc>
+                          <a:spcPct val="100000"/>
+                        </a:lnSpc>
                         <a:spcBef>
-                          <a:spcPts val="200"/>
+                          <a:spcPts val="300"/>
                         </a:spcBef>
                         <a:spcAft>
-                          <a:spcPts val="200"/>
+                          <a:spcPts val="300"/>
                         </a:spcAft>
                         <a:buNone/>
                       </a:pPr>
                       <a:r>
                         <a:rPr sz="2400">
                           <a:solidFill>
-                            <a:srgbClr val="111111">
+                            <a:srgbClr val="000000">
                               <a:alpha val="100000"/>
                             </a:srgbClr>
                           </a:solidFill>
-                          <a:latin typeface="Roboto"/>
-                          <a:cs typeface="Roboto"/>
-                          <a:highlight>
-                            <a:srgbClr val="FFFFFF">
-                              <a:alpha val="0"/>
-                            </a:srgbClr>
-                          </a:highlight>
+                          <a:latin typeface="DejaVu Sans"/>
+                          <a:cs typeface="DejaVu Sans"/>
                         </a:rPr>
                         <a:t>Fair</a:t>
                       </a:r>
@@ -3298,31 +3268,29 @@
                     <a:bodyPr/>
                     <a:lstStyle/>
                     <a:p>
-                      <a:pPr algn="r" marL="63500" marR="63500">
+                      <a:pPr algn="r" marL="38100" marR="38100">
+                        <a:lnSpc>
+                          <a:spcPct val="100000"/>
+                        </a:lnSpc>
                         <a:spcBef>
-                          <a:spcPts val="200"/>
+                          <a:spcPts val="300"/>
                         </a:spcBef>
                         <a:spcAft>
-                          <a:spcPts val="200"/>
+                          <a:spcPts val="300"/>
                         </a:spcAft>
                         <a:buNone/>
                       </a:pPr>
                       <a:r>
                         <a:rPr sz="2400">
                           <a:solidFill>
-                            <a:srgbClr val="111111">
+                            <a:srgbClr val="000000">
                               <a:alpha val="100000"/>
                             </a:srgbClr>
                           </a:solidFill>
-                          <a:latin typeface="Roboto"/>
-                          <a:cs typeface="Roboto"/>
-                          <a:highlight>
-                            <a:srgbClr val="FFFFFF">
-                              <a:alpha val="0"/>
-                            </a:srgbClr>
-                          </a:highlight>
+                          <a:latin typeface="DejaVu Sans"/>
+                          <a:cs typeface="DejaVu Sans"/>
                         </a:rPr>
-                        <a:t>8818.000</a:t>
+                        <a:t>8,818</a:t>
                       </a:r>
                     </a:p>
                   </a:txBody>
@@ -3368,29 +3336,27 @@
                     <a:bodyPr/>
                     <a:lstStyle/>
                     <a:p>
-                      <a:pPr algn="l" marL="63500" marR="63500">
+                      <a:pPr algn="l" marL="38100" marR="38100">
+                        <a:lnSpc>
+                          <a:spcPct val="100000"/>
+                        </a:lnSpc>
                         <a:spcBef>
-                          <a:spcPts val="200"/>
+                          <a:spcPts val="300"/>
                         </a:spcBef>
                         <a:spcAft>
-                          <a:spcPts val="200"/>
+                          <a:spcPts val="300"/>
                         </a:spcAft>
                         <a:buNone/>
                       </a:pPr>
                       <a:r>
                         <a:rPr sz="2400">
                           <a:solidFill>
-                            <a:srgbClr val="111111">
+                            <a:srgbClr val="000000">
                               <a:alpha val="100000"/>
                             </a:srgbClr>
                           </a:solidFill>
-                          <a:latin typeface="Roboto"/>
-                          <a:cs typeface="Roboto"/>
-                          <a:highlight>
-                            <a:srgbClr val="FFFFFF">
-                              <a:alpha val="0"/>
-                            </a:srgbClr>
-                          </a:highlight>
+                          <a:latin typeface="DejaVu Sans"/>
+                          <a:cs typeface="DejaVu Sans"/>
                         </a:rPr>
                         <a:t>Good</a:t>
                       </a:r>
@@ -3436,31 +3402,29 @@
                     <a:bodyPr/>
                     <a:lstStyle/>
                     <a:p>
-                      <a:pPr algn="r" marL="63500" marR="63500">
+                      <a:pPr algn="r" marL="38100" marR="38100">
+                        <a:lnSpc>
+                          <a:spcPct val="100000"/>
+                        </a:lnSpc>
                         <a:spcBef>
-                          <a:spcPts val="200"/>
+                          <a:spcPts val="300"/>
                         </a:spcBef>
                         <a:spcAft>
-                          <a:spcPts val="200"/>
+                          <a:spcPts val="300"/>
                         </a:spcAft>
                         <a:buNone/>
                       </a:pPr>
                       <a:r>
                         <a:rPr sz="2400">
                           <a:solidFill>
-                            <a:srgbClr val="111111">
+                            <a:srgbClr val="000000">
                               <a:alpha val="100000"/>
                             </a:srgbClr>
                           </a:solidFill>
-                          <a:latin typeface="Roboto"/>
-                          <a:cs typeface="Roboto"/>
-                          <a:highlight>
-                            <a:srgbClr val="FFFFFF">
-                              <a:alpha val="0"/>
-                            </a:srgbClr>
-                          </a:highlight>
+                          <a:latin typeface="DejaVu Sans"/>
+                          <a:cs typeface="DejaVu Sans"/>
                         </a:rPr>
-                        <a:t>3383.125</a:t>
+                        <a:t>3,383</a:t>
                       </a:r>
                     </a:p>
                   </a:txBody>
@@ -3506,29 +3470,27 @@
                     <a:bodyPr/>
                     <a:lstStyle/>
                     <a:p>
-                      <a:pPr algn="l" marL="63500" marR="63500">
+                      <a:pPr algn="l" marL="38100" marR="38100">
+                        <a:lnSpc>
+                          <a:spcPct val="100000"/>
+                        </a:lnSpc>
                         <a:spcBef>
-                          <a:spcPts val="200"/>
+                          <a:spcPts val="300"/>
                         </a:spcBef>
                         <a:spcAft>
-                          <a:spcPts val="200"/>
+                          <a:spcPts val="300"/>
                         </a:spcAft>
                         <a:buNone/>
                       </a:pPr>
                       <a:r>
                         <a:rPr sz="2400">
                           <a:solidFill>
-                            <a:srgbClr val="111111">
+                            <a:srgbClr val="000000">
                               <a:alpha val="100000"/>
                             </a:srgbClr>
                           </a:solidFill>
-                          <a:latin typeface="Roboto"/>
-                          <a:cs typeface="Roboto"/>
-                          <a:highlight>
-                            <a:srgbClr val="FFFFFF">
-                              <a:alpha val="0"/>
-                            </a:srgbClr>
-                          </a:highlight>
+                          <a:latin typeface="DejaVu Sans"/>
+                          <a:cs typeface="DejaVu Sans"/>
                         </a:rPr>
                         <a:t>Very Good</a:t>
                       </a:r>
@@ -3574,31 +3536,29 @@
                     <a:bodyPr/>
                     <a:lstStyle/>
                     <a:p>
-                      <a:pPr algn="r" marL="63500" marR="63500">
+                      <a:pPr algn="r" marL="38100" marR="38100">
+                        <a:lnSpc>
+                          <a:spcPct val="100000"/>
+                        </a:lnSpc>
                         <a:spcBef>
-                          <a:spcPts val="200"/>
+                          <a:spcPts val="300"/>
                         </a:spcBef>
                         <a:spcAft>
-                          <a:spcPts val="200"/>
+                          <a:spcPts val="300"/>
                         </a:spcAft>
                         <a:buNone/>
                       </a:pPr>
                       <a:r>
                         <a:rPr sz="2400">
                           <a:solidFill>
-                            <a:srgbClr val="111111">
+                            <a:srgbClr val="000000">
                               <a:alpha val="100000"/>
                             </a:srgbClr>
                           </a:solidFill>
-                          <a:latin typeface="Roboto"/>
-                          <a:cs typeface="Roboto"/>
-                          <a:highlight>
-                            <a:srgbClr val="FFFFFF">
-                              <a:alpha val="0"/>
-                            </a:srgbClr>
-                          </a:highlight>
+                          <a:latin typeface="DejaVu Sans"/>
+                          <a:cs typeface="DejaVu Sans"/>
                         </a:rPr>
-                        <a:t>4959.308</a:t>
+                        <a:t>4,959</a:t>
                       </a:r>
                     </a:p>
                   </a:txBody>
@@ -3644,29 +3604,27 @@
                     <a:bodyPr/>
                     <a:lstStyle/>
                     <a:p>
-                      <a:pPr algn="l" marL="63500" marR="63500">
+                      <a:pPr algn="l" marL="38100" marR="38100">
+                        <a:lnSpc>
+                          <a:spcPct val="100000"/>
+                        </a:lnSpc>
                         <a:spcBef>
-                          <a:spcPts val="200"/>
+                          <a:spcPts val="300"/>
                         </a:spcBef>
                         <a:spcAft>
-                          <a:spcPts val="200"/>
+                          <a:spcPts val="300"/>
                         </a:spcAft>
                         <a:buNone/>
                       </a:pPr>
                       <a:r>
                         <a:rPr sz="2400">
                           <a:solidFill>
-                            <a:srgbClr val="111111">
+                            <a:srgbClr val="000000">
                               <a:alpha val="100000"/>
                             </a:srgbClr>
                           </a:solidFill>
-                          <a:latin typeface="Roboto"/>
-                          <a:cs typeface="Roboto"/>
-                          <a:highlight>
-                            <a:srgbClr val="FFFFFF">
-                              <a:alpha val="0"/>
-                            </a:srgbClr>
-                          </a:highlight>
+                          <a:latin typeface="DejaVu Sans"/>
+                          <a:cs typeface="DejaVu Sans"/>
                         </a:rPr>
                         <a:t>Premium</a:t>
                       </a:r>
@@ -3712,31 +3670,29 @@
                     <a:bodyPr/>
                     <a:lstStyle/>
                     <a:p>
-                      <a:pPr algn="r" marL="63500" marR="63500">
+                      <a:pPr algn="r" marL="38100" marR="38100">
+                        <a:lnSpc>
+                          <a:spcPct val="100000"/>
+                        </a:lnSpc>
                         <a:spcBef>
-                          <a:spcPts val="200"/>
+                          <a:spcPts val="300"/>
                         </a:spcBef>
                         <a:spcAft>
-                          <a:spcPts val="200"/>
+                          <a:spcPts val="300"/>
                         </a:spcAft>
                         <a:buNone/>
                       </a:pPr>
                       <a:r>
                         <a:rPr sz="2400">
                           <a:solidFill>
-                            <a:srgbClr val="111111">
+                            <a:srgbClr val="000000">
                               <a:alpha val="100000"/>
                             </a:srgbClr>
                           </a:solidFill>
-                          <a:latin typeface="Roboto"/>
-                          <a:cs typeface="Roboto"/>
-                          <a:highlight>
-                            <a:srgbClr val="FFFFFF">
-                              <a:alpha val="0"/>
-                            </a:srgbClr>
-                          </a:highlight>
+                          <a:latin typeface="DejaVu Sans"/>
+                          <a:cs typeface="DejaVu Sans"/>
                         </a:rPr>
-                        <a:t>6273.773</a:t>
+                        <a:t>6,274</a:t>
                       </a:r>
                     </a:p>
                   </a:txBody>
@@ -3782,29 +3738,27 @@
                     <a:bodyPr/>
                     <a:lstStyle/>
                     <a:p>
-                      <a:pPr algn="l" marL="63500" marR="63500">
+                      <a:pPr algn="l" marL="38100" marR="38100">
+                        <a:lnSpc>
+                          <a:spcPct val="100000"/>
+                        </a:lnSpc>
                         <a:spcBef>
-                          <a:spcPts val="200"/>
+                          <a:spcPts val="300"/>
                         </a:spcBef>
                         <a:spcAft>
-                          <a:spcPts val="200"/>
+                          <a:spcPts val="300"/>
                         </a:spcAft>
                         <a:buNone/>
                       </a:pPr>
                       <a:r>
                         <a:rPr sz="2400">
                           <a:solidFill>
-                            <a:srgbClr val="111111">
+                            <a:srgbClr val="000000">
                               <a:alpha val="100000"/>
                             </a:srgbClr>
                           </a:solidFill>
-                          <a:latin typeface="Roboto"/>
-                          <a:cs typeface="Roboto"/>
-                          <a:highlight>
-                            <a:srgbClr val="FFFFFF">
-                              <a:alpha val="0"/>
-                            </a:srgbClr>
-                          </a:highlight>
+                          <a:latin typeface="DejaVu Sans"/>
+                          <a:cs typeface="DejaVu Sans"/>
                         </a:rPr>
                         <a:t>Ideal</a:t>
                       </a:r>
@@ -3850,31 +3804,29 @@
                     <a:bodyPr/>
                     <a:lstStyle/>
                     <a:p>
-                      <a:pPr algn="r" marL="63500" marR="63500">
+                      <a:pPr algn="r" marL="38100" marR="38100">
+                        <a:lnSpc>
+                          <a:spcPct val="100000"/>
+                        </a:lnSpc>
                         <a:spcBef>
-                          <a:spcPts val="200"/>
+                          <a:spcPts val="300"/>
                         </a:spcBef>
                         <a:spcAft>
-                          <a:spcPts val="200"/>
+                          <a:spcPts val="300"/>
                         </a:spcAft>
                         <a:buNone/>
                       </a:pPr>
                       <a:r>
                         <a:rPr sz="2400">
                           <a:solidFill>
-                            <a:srgbClr val="111111">
+                            <a:srgbClr val="000000">
                               <a:alpha val="100000"/>
                             </a:srgbClr>
                           </a:solidFill>
-                          <a:latin typeface="Roboto"/>
-                          <a:cs typeface="Roboto"/>
-                          <a:highlight>
-                            <a:srgbClr val="FFFFFF">
-                              <a:alpha val="0"/>
-                            </a:srgbClr>
-                          </a:highlight>
+                          <a:latin typeface="DejaVu Sans"/>
+                          <a:cs typeface="DejaVu Sans"/>
                         </a:rPr>
-                        <a:t>2611.000</a:t>
+                        <a:t>2,611</a:t>
                       </a:r>
                     </a:p>
                   </a:txBody>
@@ -3935,8 +3887,8 @@
             <a:tbl>
               <a:tblPr/>
               <a:tblGrid>
-                <a:gridCol w="2239206"/>
-                <a:gridCol w="2058474"/>
+                <a:gridCol w="2733736"/>
+                <a:gridCol w="1563944"/>
               </a:tblGrid>
               <a:tr h="419100">
                 <a:tc>
@@ -3944,29 +3896,27 @@
                     <a:bodyPr/>
                     <a:lstStyle/>
                     <a:p>
-                      <a:pPr algn="l" marL="63500" marR="63500">
+                      <a:pPr algn="l" marL="38100" marR="38100">
+                        <a:lnSpc>
+                          <a:spcPct val="100000"/>
+                        </a:lnSpc>
                         <a:spcBef>
-                          <a:spcPts val="200"/>
+                          <a:spcPts val="300"/>
                         </a:spcBef>
                         <a:spcAft>
-                          <a:spcPts val="200"/>
+                          <a:spcPts val="300"/>
                         </a:spcAft>
                         <a:buNone/>
                       </a:pPr>
                       <a:r>
                         <a:rPr sz="2400">
                           <a:solidFill>
-                            <a:srgbClr val="111111">
+                            <a:srgbClr val="000000">
                               <a:alpha val="100000"/>
                             </a:srgbClr>
                           </a:solidFill>
-                          <a:latin typeface="Roboto"/>
-                          <a:cs typeface="Roboto"/>
-                          <a:highlight>
-                            <a:srgbClr val="FFFFFF">
-                              <a:alpha val="0"/>
-                            </a:srgbClr>
-                          </a:highlight>
+                          <a:latin typeface="DejaVu Sans"/>
+                          <a:cs typeface="DejaVu Sans"/>
                         </a:rPr>
                         <a:t>cut</a:t>
                       </a:r>
@@ -4012,29 +3962,27 @@
                     <a:bodyPr/>
                     <a:lstStyle/>
                     <a:p>
-                      <a:pPr algn="r" marL="63500" marR="63500">
+                      <a:pPr algn="r" marL="38100" marR="38100">
+                        <a:lnSpc>
+                          <a:spcPct val="100000"/>
+                        </a:lnSpc>
                         <a:spcBef>
-                          <a:spcPts val="200"/>
+                          <a:spcPts val="300"/>
                         </a:spcBef>
                         <a:spcAft>
-                          <a:spcPts val="200"/>
+                          <a:spcPts val="300"/>
                         </a:spcAft>
                         <a:buNone/>
                       </a:pPr>
                       <a:r>
                         <a:rPr sz="2400">
                           <a:solidFill>
-                            <a:srgbClr val="111111">
+                            <a:srgbClr val="000000">
                               <a:alpha val="100000"/>
                             </a:srgbClr>
                           </a:solidFill>
-                          <a:latin typeface="Roboto"/>
-                          <a:cs typeface="Roboto"/>
-                          <a:highlight>
-                            <a:srgbClr val="FFFFFF">
-                              <a:alpha val="0"/>
-                            </a:srgbClr>
-                          </a:highlight>
+                          <a:latin typeface="DejaVu Sans"/>
+                          <a:cs typeface="DejaVu Sans"/>
                         </a:rPr>
                         <a:t>Price</a:t>
                       </a:r>
@@ -4082,29 +4030,27 @@
                     <a:bodyPr/>
                     <a:lstStyle/>
                     <a:p>
-                      <a:pPr algn="l" marL="63500" marR="63500">
+                      <a:pPr algn="l" marL="38100" marR="38100">
+                        <a:lnSpc>
+                          <a:spcPct val="100000"/>
+                        </a:lnSpc>
                         <a:spcBef>
-                          <a:spcPts val="200"/>
+                          <a:spcPts val="300"/>
                         </a:spcBef>
                         <a:spcAft>
-                          <a:spcPts val="200"/>
+                          <a:spcPts val="300"/>
                         </a:spcAft>
                         <a:buNone/>
                       </a:pPr>
                       <a:r>
                         <a:rPr sz="2400">
                           <a:solidFill>
-                            <a:srgbClr val="111111">
+                            <a:srgbClr val="000000">
                               <a:alpha val="100000"/>
                             </a:srgbClr>
                           </a:solidFill>
-                          <a:latin typeface="Roboto"/>
-                          <a:cs typeface="Roboto"/>
-                          <a:highlight>
-                            <a:srgbClr val="FFFFFF">
-                              <a:alpha val="0"/>
-                            </a:srgbClr>
-                          </a:highlight>
+                          <a:latin typeface="DejaVu Sans"/>
+                          <a:cs typeface="DejaVu Sans"/>
                         </a:rPr>
                         <a:t>Fair</a:t>
                       </a:r>
@@ -4150,31 +4096,29 @@
                     <a:bodyPr/>
                     <a:lstStyle/>
                     <a:p>
-                      <a:pPr algn="r" marL="63500" marR="63500">
+                      <a:pPr algn="r" marL="38100" marR="38100">
+                        <a:lnSpc>
+                          <a:spcPct val="100000"/>
+                        </a:lnSpc>
                         <a:spcBef>
-                          <a:spcPts val="200"/>
+                          <a:spcPts val="300"/>
                         </a:spcBef>
                         <a:spcAft>
-                          <a:spcPts val="200"/>
+                          <a:spcPts val="300"/>
                         </a:spcAft>
                         <a:buNone/>
                       </a:pPr>
                       <a:r>
                         <a:rPr sz="2400">
                           <a:solidFill>
-                            <a:srgbClr val="111111">
+                            <a:srgbClr val="000000">
                               <a:alpha val="100000"/>
                             </a:srgbClr>
                           </a:solidFill>
-                          <a:latin typeface="Roboto"/>
-                          <a:cs typeface="Roboto"/>
-                          <a:highlight>
-                            <a:srgbClr val="FFFFFF">
-                              <a:alpha val="0"/>
-                            </a:srgbClr>
-                          </a:highlight>
+                          <a:latin typeface="DejaVu Sans"/>
+                          <a:cs typeface="DejaVu Sans"/>
                         </a:rPr>
-                        <a:t>8818.000</a:t>
+                        <a:t>8,818</a:t>
                       </a:r>
                     </a:p>
                   </a:txBody>
@@ -4220,29 +4164,27 @@
                     <a:bodyPr/>
                     <a:lstStyle/>
                     <a:p>
-                      <a:pPr algn="l" marL="63500" marR="63500">
+                      <a:pPr algn="l" marL="38100" marR="38100">
+                        <a:lnSpc>
+                          <a:spcPct val="100000"/>
+                        </a:lnSpc>
                         <a:spcBef>
-                          <a:spcPts val="200"/>
+                          <a:spcPts val="300"/>
                         </a:spcBef>
                         <a:spcAft>
-                          <a:spcPts val="200"/>
+                          <a:spcPts val="300"/>
                         </a:spcAft>
                         <a:buNone/>
                       </a:pPr>
                       <a:r>
                         <a:rPr sz="2400">
                           <a:solidFill>
-                            <a:srgbClr val="111111">
+                            <a:srgbClr val="000000">
                               <a:alpha val="100000"/>
                             </a:srgbClr>
                           </a:solidFill>
-                          <a:latin typeface="Roboto"/>
-                          <a:cs typeface="Roboto"/>
-                          <a:highlight>
-                            <a:srgbClr val="FFFFFF">
-                              <a:alpha val="0"/>
-                            </a:srgbClr>
-                          </a:highlight>
+                          <a:latin typeface="DejaVu Sans"/>
+                          <a:cs typeface="DejaVu Sans"/>
                         </a:rPr>
                         <a:t>Good</a:t>
                       </a:r>
@@ -4288,31 +4230,29 @@
                     <a:bodyPr/>
                     <a:lstStyle/>
                     <a:p>
-                      <a:pPr algn="r" marL="63500" marR="63500">
+                      <a:pPr algn="r" marL="38100" marR="38100">
+                        <a:lnSpc>
+                          <a:spcPct val="100000"/>
+                        </a:lnSpc>
                         <a:spcBef>
-                          <a:spcPts val="200"/>
+                          <a:spcPts val="300"/>
                         </a:spcBef>
                         <a:spcAft>
-                          <a:spcPts val="200"/>
+                          <a:spcPts val="300"/>
                         </a:spcAft>
                         <a:buNone/>
                       </a:pPr>
                       <a:r>
                         <a:rPr sz="2400">
                           <a:solidFill>
-                            <a:srgbClr val="111111">
+                            <a:srgbClr val="000000">
                               <a:alpha val="100000"/>
                             </a:srgbClr>
                           </a:solidFill>
-                          <a:latin typeface="Roboto"/>
-                          <a:cs typeface="Roboto"/>
-                          <a:highlight>
-                            <a:srgbClr val="FFFFFF">
-                              <a:alpha val="0"/>
-                            </a:srgbClr>
-                          </a:highlight>
+                          <a:latin typeface="DejaVu Sans"/>
+                          <a:cs typeface="DejaVu Sans"/>
                         </a:rPr>
-                        <a:t>3383.125</a:t>
+                        <a:t>3,383</a:t>
                       </a:r>
                     </a:p>
                   </a:txBody>
@@ -4358,29 +4298,27 @@
                     <a:bodyPr/>
                     <a:lstStyle/>
                     <a:p>
-                      <a:pPr algn="l" marL="63500" marR="63500">
+                      <a:pPr algn="l" marL="38100" marR="38100">
+                        <a:lnSpc>
+                          <a:spcPct val="100000"/>
+                        </a:lnSpc>
                         <a:spcBef>
-                          <a:spcPts val="200"/>
+                          <a:spcPts val="300"/>
                         </a:spcBef>
                         <a:spcAft>
-                          <a:spcPts val="200"/>
+                          <a:spcPts val="300"/>
                         </a:spcAft>
                         <a:buNone/>
                       </a:pPr>
                       <a:r>
                         <a:rPr sz="2400">
                           <a:solidFill>
-                            <a:srgbClr val="111111">
+                            <a:srgbClr val="000000">
                               <a:alpha val="100000"/>
                             </a:srgbClr>
                           </a:solidFill>
-                          <a:latin typeface="Roboto"/>
-                          <a:cs typeface="Roboto"/>
-                          <a:highlight>
-                            <a:srgbClr val="FFFFFF">
-                              <a:alpha val="0"/>
-                            </a:srgbClr>
-                          </a:highlight>
+                          <a:latin typeface="DejaVu Sans"/>
+                          <a:cs typeface="DejaVu Sans"/>
                         </a:rPr>
                         <a:t>Very Good</a:t>
                       </a:r>
@@ -4426,31 +4364,29 @@
                     <a:bodyPr/>
                     <a:lstStyle/>
                     <a:p>
-                      <a:pPr algn="r" marL="63500" marR="63500">
+                      <a:pPr algn="r" marL="38100" marR="38100">
+                        <a:lnSpc>
+                          <a:spcPct val="100000"/>
+                        </a:lnSpc>
                         <a:spcBef>
-                          <a:spcPts val="200"/>
+                          <a:spcPts val="300"/>
                         </a:spcBef>
                         <a:spcAft>
-                          <a:spcPts val="200"/>
+                          <a:spcPts val="300"/>
                         </a:spcAft>
                         <a:buNone/>
                       </a:pPr>
                       <a:r>
                         <a:rPr sz="2400">
                           <a:solidFill>
-                            <a:srgbClr val="111111">
+                            <a:srgbClr val="000000">
                               <a:alpha val="100000"/>
                             </a:srgbClr>
                           </a:solidFill>
-                          <a:latin typeface="Roboto"/>
-                          <a:cs typeface="Roboto"/>
-                          <a:highlight>
-                            <a:srgbClr val="FFFFFF">
-                              <a:alpha val="0"/>
-                            </a:srgbClr>
-                          </a:highlight>
+                          <a:latin typeface="DejaVu Sans"/>
+                          <a:cs typeface="DejaVu Sans"/>
                         </a:rPr>
-                        <a:t>4959.308</a:t>
+                        <a:t>4,959</a:t>
                       </a:r>
                     </a:p>
                   </a:txBody>
@@ -4496,29 +4432,27 @@
                     <a:bodyPr/>
                     <a:lstStyle/>
                     <a:p>
-                      <a:pPr algn="l" marL="63500" marR="63500">
+                      <a:pPr algn="l" marL="38100" marR="38100">
+                        <a:lnSpc>
+                          <a:spcPct val="100000"/>
+                        </a:lnSpc>
                         <a:spcBef>
-                          <a:spcPts val="200"/>
+                          <a:spcPts val="300"/>
                         </a:spcBef>
                         <a:spcAft>
-                          <a:spcPts val="200"/>
+                          <a:spcPts val="300"/>
                         </a:spcAft>
                         <a:buNone/>
                       </a:pPr>
                       <a:r>
                         <a:rPr sz="2400">
                           <a:solidFill>
-                            <a:srgbClr val="111111">
+                            <a:srgbClr val="000000">
                               <a:alpha val="100000"/>
                             </a:srgbClr>
                           </a:solidFill>
-                          <a:latin typeface="Roboto"/>
-                          <a:cs typeface="Roboto"/>
-                          <a:highlight>
-                            <a:srgbClr val="FFFFFF">
-                              <a:alpha val="0"/>
-                            </a:srgbClr>
-                          </a:highlight>
+                          <a:latin typeface="DejaVu Sans"/>
+                          <a:cs typeface="DejaVu Sans"/>
                         </a:rPr>
                         <a:t>Premium</a:t>
                       </a:r>
@@ -4564,31 +4498,29 @@
                     <a:bodyPr/>
                     <a:lstStyle/>
                     <a:p>
-                      <a:pPr algn="r" marL="63500" marR="63500">
+                      <a:pPr algn="r" marL="38100" marR="38100">
+                        <a:lnSpc>
+                          <a:spcPct val="100000"/>
+                        </a:lnSpc>
                         <a:spcBef>
-                          <a:spcPts val="200"/>
+                          <a:spcPts val="300"/>
                         </a:spcBef>
                         <a:spcAft>
-                          <a:spcPts val="200"/>
+                          <a:spcPts val="300"/>
                         </a:spcAft>
                         <a:buNone/>
                       </a:pPr>
                       <a:r>
                         <a:rPr sz="2400">
                           <a:solidFill>
-                            <a:srgbClr val="111111">
+                            <a:srgbClr val="000000">
                               <a:alpha val="100000"/>
                             </a:srgbClr>
                           </a:solidFill>
-                          <a:latin typeface="Roboto"/>
-                          <a:cs typeface="Roboto"/>
-                          <a:highlight>
-                            <a:srgbClr val="FFFFFF">
-                              <a:alpha val="0"/>
-                            </a:srgbClr>
-                          </a:highlight>
+                          <a:latin typeface="DejaVu Sans"/>
+                          <a:cs typeface="DejaVu Sans"/>
                         </a:rPr>
-                        <a:t>6273.773</a:t>
+                        <a:t>6,274</a:t>
                       </a:r>
                     </a:p>
                   </a:txBody>
@@ -4634,29 +4566,27 @@
                     <a:bodyPr/>
                     <a:lstStyle/>
                     <a:p>
-                      <a:pPr algn="l" marL="63500" marR="63500">
+                      <a:pPr algn="l" marL="38100" marR="38100">
+                        <a:lnSpc>
+                          <a:spcPct val="100000"/>
+                        </a:lnSpc>
                         <a:spcBef>
-                          <a:spcPts val="200"/>
+                          <a:spcPts val="300"/>
                         </a:spcBef>
                         <a:spcAft>
-                          <a:spcPts val="200"/>
+                          <a:spcPts val="300"/>
                         </a:spcAft>
                         <a:buNone/>
                       </a:pPr>
                       <a:r>
                         <a:rPr sz="2400">
                           <a:solidFill>
-                            <a:srgbClr val="111111">
+                            <a:srgbClr val="000000">
                               <a:alpha val="100000"/>
                             </a:srgbClr>
                           </a:solidFill>
-                          <a:latin typeface="Roboto"/>
-                          <a:cs typeface="Roboto"/>
-                          <a:highlight>
-                            <a:srgbClr val="FFFFFF">
-                              <a:alpha val="0"/>
-                            </a:srgbClr>
-                          </a:highlight>
+                          <a:latin typeface="DejaVu Sans"/>
+                          <a:cs typeface="DejaVu Sans"/>
                         </a:rPr>
                         <a:t>Ideal</a:t>
                       </a:r>
@@ -4702,31 +4632,29 @@
                     <a:bodyPr/>
                     <a:lstStyle/>
                     <a:p>
-                      <a:pPr algn="r" marL="63500" marR="63500">
+                      <a:pPr algn="r" marL="38100" marR="38100">
+                        <a:lnSpc>
+                          <a:spcPct val="100000"/>
+                        </a:lnSpc>
                         <a:spcBef>
-                          <a:spcPts val="200"/>
+                          <a:spcPts val="300"/>
                         </a:spcBef>
                         <a:spcAft>
-                          <a:spcPts val="200"/>
+                          <a:spcPts val="300"/>
                         </a:spcAft>
                         <a:buNone/>
                       </a:pPr>
                       <a:r>
                         <a:rPr sz="2400">
                           <a:solidFill>
-                            <a:srgbClr val="111111">
+                            <a:srgbClr val="000000">
                               <a:alpha val="100000"/>
                             </a:srgbClr>
                           </a:solidFill>
-                          <a:latin typeface="Roboto"/>
-                          <a:cs typeface="Roboto"/>
-                          <a:highlight>
-                            <a:srgbClr val="FFFFFF">
-                              <a:alpha val="0"/>
-                            </a:srgbClr>
-                          </a:highlight>
+                          <a:latin typeface="DejaVu Sans"/>
+                          <a:cs typeface="DejaVu Sans"/>
                         </a:rPr>
-                        <a:t>2611.000</a:t>
+                        <a:t>2,611</a:t>
                       </a:r>
                     </a:p>
                   </a:txBody>
